--- a/Lectures/images.pptx
+++ b/Lectures/images.pptx
@@ -5,7 +5,7 @@
     <p:sldMasterId id="2147483672" r:id="rId1"/>
   </p:sldMasterIdLst>
   <p:notesMasterIdLst>
-    <p:notesMasterId r:id="rId12"/>
+    <p:notesMasterId r:id="rId16"/>
   </p:notesMasterIdLst>
   <p:sldIdLst>
     <p:sldId id="420" r:id="rId2"/>
@@ -18,6 +18,10 @@
     <p:sldId id="427" r:id="rId9"/>
     <p:sldId id="428" r:id="rId10"/>
     <p:sldId id="429" r:id="rId11"/>
+    <p:sldId id="430" r:id="rId12"/>
+    <p:sldId id="431" r:id="rId13"/>
+    <p:sldId id="384" r:id="rId14"/>
+    <p:sldId id="432" r:id="rId15"/>
   </p:sldIdLst>
   <p:sldSz cx="12192000" cy="6858000"/>
   <p:notesSz cx="6858000" cy="9144000"/>
@@ -464,7 +468,7 @@
           <a:p>
             <a:fld id="{51DC06D7-47F4-42EE-97DE-5D2CE932B02E}" type="datetimeFigureOut">
               <a:rPr lang="en-US" smtClean="0"/>
-              <a:t>2/14/2021</a:t>
+              <a:t>2/15/2021</a:t>
             </a:fld>
             <a:endParaRPr lang="en-US"/>
           </a:p>
@@ -863,7 +867,7 @@
           <a:p>
             <a:fld id="{B97B1ACE-8FC5-43AE-903F-A46F816E6A3A}" type="datetimeFigureOut">
               <a:rPr lang="en-US" smtClean="0"/>
-              <a:t>2/14/2021</a:t>
+              <a:t>2/15/2021</a:t>
             </a:fld>
             <a:endParaRPr lang="en-US"/>
           </a:p>
@@ -1033,7 +1037,7 @@
           <a:p>
             <a:fld id="{B97B1ACE-8FC5-43AE-903F-A46F816E6A3A}" type="datetimeFigureOut">
               <a:rPr lang="en-US" smtClean="0"/>
-              <a:t>2/14/2021</a:t>
+              <a:t>2/15/2021</a:t>
             </a:fld>
             <a:endParaRPr lang="en-US"/>
           </a:p>
@@ -1213,7 +1217,7 @@
           <a:p>
             <a:fld id="{B97B1ACE-8FC5-43AE-903F-A46F816E6A3A}" type="datetimeFigureOut">
               <a:rPr lang="en-US" smtClean="0"/>
-              <a:t>2/14/2021</a:t>
+              <a:t>2/15/2021</a:t>
             </a:fld>
             <a:endParaRPr lang="en-US"/>
           </a:p>
@@ -1383,7 +1387,7 @@
           <a:p>
             <a:fld id="{B97B1ACE-8FC5-43AE-903F-A46F816E6A3A}" type="datetimeFigureOut">
               <a:rPr lang="en-US" smtClean="0"/>
-              <a:t>2/14/2021</a:t>
+              <a:t>2/15/2021</a:t>
             </a:fld>
             <a:endParaRPr lang="en-US"/>
           </a:p>
@@ -1629,7 +1633,7 @@
           <a:p>
             <a:fld id="{B97B1ACE-8FC5-43AE-903F-A46F816E6A3A}" type="datetimeFigureOut">
               <a:rPr lang="en-US" smtClean="0"/>
-              <a:t>2/14/2021</a:t>
+              <a:t>2/15/2021</a:t>
             </a:fld>
             <a:endParaRPr lang="en-US"/>
           </a:p>
@@ -1861,7 +1865,7 @@
           <a:p>
             <a:fld id="{B97B1ACE-8FC5-43AE-903F-A46F816E6A3A}" type="datetimeFigureOut">
               <a:rPr lang="en-US" smtClean="0"/>
-              <a:t>2/14/2021</a:t>
+              <a:t>2/15/2021</a:t>
             </a:fld>
             <a:endParaRPr lang="en-US"/>
           </a:p>
@@ -2228,7 +2232,7 @@
           <a:p>
             <a:fld id="{B97B1ACE-8FC5-43AE-903F-A46F816E6A3A}" type="datetimeFigureOut">
               <a:rPr lang="en-US" smtClean="0"/>
-              <a:t>2/14/2021</a:t>
+              <a:t>2/15/2021</a:t>
             </a:fld>
             <a:endParaRPr lang="en-US"/>
           </a:p>
@@ -2346,7 +2350,7 @@
           <a:p>
             <a:fld id="{B97B1ACE-8FC5-43AE-903F-A46F816E6A3A}" type="datetimeFigureOut">
               <a:rPr lang="en-US" smtClean="0"/>
-              <a:t>2/14/2021</a:t>
+              <a:t>2/15/2021</a:t>
             </a:fld>
             <a:endParaRPr lang="en-US"/>
           </a:p>
@@ -2441,7 +2445,7 @@
           <a:p>
             <a:fld id="{B97B1ACE-8FC5-43AE-903F-A46F816E6A3A}" type="datetimeFigureOut">
               <a:rPr lang="en-US" smtClean="0"/>
-              <a:t>2/14/2021</a:t>
+              <a:t>2/15/2021</a:t>
             </a:fld>
             <a:endParaRPr lang="en-US"/>
           </a:p>
@@ -2718,7 +2722,7 @@
           <a:p>
             <a:fld id="{B97B1ACE-8FC5-43AE-903F-A46F816E6A3A}" type="datetimeFigureOut">
               <a:rPr lang="en-US" smtClean="0"/>
-              <a:t>2/14/2021</a:t>
+              <a:t>2/15/2021</a:t>
             </a:fld>
             <a:endParaRPr lang="en-US"/>
           </a:p>
@@ -2975,7 +2979,7 @@
           <a:p>
             <a:fld id="{B97B1ACE-8FC5-43AE-903F-A46F816E6A3A}" type="datetimeFigureOut">
               <a:rPr lang="en-US" smtClean="0"/>
-              <a:t>2/14/2021</a:t>
+              <a:t>2/15/2021</a:t>
             </a:fld>
             <a:endParaRPr lang="en-US"/>
           </a:p>
@@ -3191,7 +3195,7 @@
           <a:p>
             <a:fld id="{B97B1ACE-8FC5-43AE-903F-A46F816E6A3A}" type="datetimeFigureOut">
               <a:rPr lang="en-US" smtClean="0"/>
-              <a:t>2/14/2021</a:t>
+              <a:t>2/15/2021</a:t>
             </a:fld>
             <a:endParaRPr lang="en-US"/>
           </a:p>
@@ -4363,6 +4367,2778 @@
 </p:sld>
 </file>
 
+<file path=ppt/slides/slide11.xml><?xml version="1.0" encoding="utf-8"?>
+<p:sld xmlns:a="http://schemas.openxmlformats.org/drawingml/2006/main" xmlns:r="http://schemas.openxmlformats.org/officeDocument/2006/relationships" xmlns:p="http://schemas.openxmlformats.org/presentationml/2006/main">
+  <p:cSld>
+    <p:spTree>
+      <p:nvGrpSpPr>
+        <p:cNvPr id="1" name=""/>
+        <p:cNvGrpSpPr/>
+        <p:nvPr/>
+      </p:nvGrpSpPr>
+      <p:grpSpPr>
+        <a:xfrm>
+          <a:off x="0" y="0"/>
+          <a:ext cx="0" cy="0"/>
+          <a:chOff x="0" y="0"/>
+          <a:chExt cx="0" cy="0"/>
+        </a:xfrm>
+      </p:grpSpPr>
+      <p:sp>
+        <p:nvSpPr>
+          <p:cNvPr id="18" name="Prostokąt zaokrąglony 7">
+            <a:extLst>
+              <a:ext uri="{FF2B5EF4-FFF2-40B4-BE49-F238E27FC236}">
+                <a16:creationId xmlns:a16="http://schemas.microsoft.com/office/drawing/2014/main" id="{137DDB04-7098-4AD0-8E30-EA88CE3423E8}"/>
+              </a:ext>
+            </a:extLst>
+          </p:cNvPr>
+          <p:cNvSpPr/>
+          <p:nvPr/>
+        </p:nvSpPr>
+        <p:spPr>
+          <a:xfrm rot="16200000">
+            <a:off x="3695798" y="3095736"/>
+            <a:ext cx="4800404" cy="1414360"/>
+          </a:xfrm>
+          <a:prstGeom prst="roundRect">
+            <a:avLst/>
+          </a:prstGeom>
+        </p:spPr>
+        <p:style>
+          <a:lnRef idx="1">
+            <a:schemeClr val="accent6"/>
+          </a:lnRef>
+          <a:fillRef idx="3">
+            <a:schemeClr val="accent6"/>
+          </a:fillRef>
+          <a:effectRef idx="2">
+            <a:schemeClr val="accent6"/>
+          </a:effectRef>
+          <a:fontRef idx="minor">
+            <a:schemeClr val="lt1"/>
+          </a:fontRef>
+        </p:style>
+        <p:txBody>
+          <a:bodyPr vert="horz" rtlCol="0" anchor="ctr"/>
+          <a:lstStyle/>
+          <a:p>
+            <a:pPr algn="ctr"/>
+            <a:r>
+              <a:rPr lang="pl-PL" sz="2800" dirty="0">
+                <a:latin typeface="Arial Black" panose="020B0A04020102020204" pitchFamily="34" charset="0"/>
+              </a:rPr>
+              <a:t>Web Server</a:t>
+            </a:r>
+            <a:endParaRPr lang="en-US" sz="2000" dirty="0">
+              <a:latin typeface="Arial Black" panose="020B0A04020102020204" pitchFamily="34" charset="0"/>
+            </a:endParaRPr>
+          </a:p>
+        </p:txBody>
+      </p:sp>
+      <p:sp>
+        <p:nvSpPr>
+          <p:cNvPr id="19" name="Strzałka w prawo 7">
+            <a:extLst>
+              <a:ext uri="{FF2B5EF4-FFF2-40B4-BE49-F238E27FC236}">
+                <a16:creationId xmlns:a16="http://schemas.microsoft.com/office/drawing/2014/main" id="{2EAAFEE9-67B6-4623-8E00-A62C4450601B}"/>
+              </a:ext>
+            </a:extLst>
+          </p:cNvPr>
+          <p:cNvSpPr/>
+          <p:nvPr/>
+        </p:nvSpPr>
+        <p:spPr>
+          <a:xfrm>
+            <a:off x="7311491" y="3632239"/>
+            <a:ext cx="1451854" cy="374970"/>
+          </a:xfrm>
+          <a:prstGeom prst="rightArrow">
+            <a:avLst/>
+          </a:prstGeom>
+        </p:spPr>
+        <p:style>
+          <a:lnRef idx="1">
+            <a:schemeClr val="accent4"/>
+          </a:lnRef>
+          <a:fillRef idx="3">
+            <a:schemeClr val="accent4"/>
+          </a:fillRef>
+          <a:effectRef idx="2">
+            <a:schemeClr val="accent4"/>
+          </a:effectRef>
+          <a:fontRef idx="minor">
+            <a:schemeClr val="lt1"/>
+          </a:fontRef>
+        </p:style>
+        <p:txBody>
+          <a:bodyPr rtlCol="0" anchor="ctr"/>
+          <a:lstStyle/>
+          <a:p>
+            <a:pPr algn="ctr"/>
+            <a:endParaRPr lang="en-US"/>
+          </a:p>
+        </p:txBody>
+      </p:sp>
+      <p:sp>
+        <p:nvSpPr>
+          <p:cNvPr id="20" name="Prostokąt zaokrąglony 7">
+            <a:extLst>
+              <a:ext uri="{FF2B5EF4-FFF2-40B4-BE49-F238E27FC236}">
+                <a16:creationId xmlns:a16="http://schemas.microsoft.com/office/drawing/2014/main" id="{60B63CF7-02EA-4AE9-A661-8326364B44B8}"/>
+              </a:ext>
+            </a:extLst>
+          </p:cNvPr>
+          <p:cNvSpPr/>
+          <p:nvPr/>
+        </p:nvSpPr>
+        <p:spPr>
+          <a:xfrm rot="16200000">
+            <a:off x="8484986" y="2133307"/>
+            <a:ext cx="2875539" cy="1414360"/>
+          </a:xfrm>
+          <a:prstGeom prst="roundRect">
+            <a:avLst/>
+          </a:prstGeom>
+        </p:spPr>
+        <p:style>
+          <a:lnRef idx="1">
+            <a:schemeClr val="accent5"/>
+          </a:lnRef>
+          <a:fillRef idx="3">
+            <a:schemeClr val="accent5"/>
+          </a:fillRef>
+          <a:effectRef idx="2">
+            <a:schemeClr val="accent5"/>
+          </a:effectRef>
+          <a:fontRef idx="minor">
+            <a:schemeClr val="lt1"/>
+          </a:fontRef>
+        </p:style>
+        <p:txBody>
+          <a:bodyPr rtlCol="0" anchor="ctr"/>
+          <a:lstStyle/>
+          <a:p>
+            <a:pPr algn="ctr"/>
+            <a:r>
+              <a:rPr lang="pl-PL" sz="2800" dirty="0" err="1">
+                <a:latin typeface="Arial Black" panose="020B0A04020102020204" pitchFamily="34" charset="0"/>
+              </a:rPr>
+              <a:t>Orders</a:t>
+            </a:r>
+            <a:endParaRPr lang="en-US" sz="2800" dirty="0">
+              <a:latin typeface="Arial Black" panose="020B0A04020102020204" pitchFamily="34" charset="0"/>
+            </a:endParaRPr>
+          </a:p>
+        </p:txBody>
+      </p:sp>
+      <p:pic>
+        <p:nvPicPr>
+          <p:cNvPr id="22" name="Grafika 21" descr="Koperta">
+            <a:extLst>
+              <a:ext uri="{FF2B5EF4-FFF2-40B4-BE49-F238E27FC236}">
+                <a16:creationId xmlns:a16="http://schemas.microsoft.com/office/drawing/2014/main" id="{0F61489E-3276-4275-A92D-112C5A4AD295}"/>
+              </a:ext>
+            </a:extLst>
+          </p:cNvPr>
+          <p:cNvPicPr>
+            <a:picLocks noChangeAspect="1"/>
+          </p:cNvPicPr>
+          <p:nvPr/>
+        </p:nvPicPr>
+        <p:blipFill>
+          <a:blip r:embed="rId2">
+            <a:extLst>
+              <a:ext uri="{28A0092B-C50C-407E-A947-70E740481C1C}">
+                <a14:useLocalDpi xmlns:a14="http://schemas.microsoft.com/office/drawing/2010/main" val="0"/>
+              </a:ext>
+              <a:ext uri="{96DAC541-7B7A-43D3-8B79-37D633B846F1}">
+                <asvg:svgBlip xmlns:asvg="http://schemas.microsoft.com/office/drawing/2016/SVG/main" r:embed="rId3"/>
+              </a:ext>
+            </a:extLst>
+          </a:blip>
+          <a:stretch>
+            <a:fillRect/>
+          </a:stretch>
+        </p:blipFill>
+        <p:spPr>
+          <a:xfrm>
+            <a:off x="7327542" y="2341873"/>
+            <a:ext cx="1419752" cy="1419752"/>
+          </a:xfrm>
+          <a:prstGeom prst="rect">
+            <a:avLst/>
+          </a:prstGeom>
+        </p:spPr>
+      </p:pic>
+      <p:sp>
+        <p:nvSpPr>
+          <p:cNvPr id="23" name="pole tekstowe 22">
+            <a:extLst>
+              <a:ext uri="{FF2B5EF4-FFF2-40B4-BE49-F238E27FC236}">
+                <a16:creationId xmlns:a16="http://schemas.microsoft.com/office/drawing/2014/main" id="{B151CD10-317B-405D-A159-3068CBD8DE7A}"/>
+              </a:ext>
+            </a:extLst>
+          </p:cNvPr>
+          <p:cNvSpPr txBox="1"/>
+          <p:nvPr/>
+        </p:nvSpPr>
+        <p:spPr>
+          <a:xfrm>
+            <a:off x="6929802" y="1720188"/>
+            <a:ext cx="2247334" cy="954107"/>
+          </a:xfrm>
+          <a:prstGeom prst="rect">
+            <a:avLst/>
+          </a:prstGeom>
+          <a:noFill/>
+        </p:spPr>
+        <p:txBody>
+          <a:bodyPr wrap="square" rtlCol="0">
+            <a:spAutoFit/>
+          </a:bodyPr>
+          <a:lstStyle/>
+          <a:p>
+            <a:pPr algn="ctr"/>
+            <a:r>
+              <a:rPr lang="pl-PL" sz="2800" b="1" dirty="0" err="1">
+                <a:solidFill>
+                  <a:schemeClr val="bg1"/>
+                </a:solidFill>
+              </a:rPr>
+              <a:t>Submit</a:t>
+            </a:r>
+            <a:endParaRPr lang="pl-PL" sz="2800" b="1" dirty="0">
+              <a:solidFill>
+                <a:schemeClr val="bg1"/>
+              </a:solidFill>
+            </a:endParaRPr>
+          </a:p>
+          <a:p>
+            <a:pPr algn="ctr"/>
+            <a:r>
+              <a:rPr lang="pl-PL" sz="2800" b="1" dirty="0" err="1">
+                <a:solidFill>
+                  <a:schemeClr val="bg1"/>
+                </a:solidFill>
+              </a:rPr>
+              <a:t>AddItem</a:t>
+            </a:r>
+            <a:endParaRPr lang="pl-PL" sz="2800" b="1" dirty="0">
+              <a:solidFill>
+                <a:schemeClr val="bg1"/>
+              </a:solidFill>
+            </a:endParaRPr>
+          </a:p>
+        </p:txBody>
+      </p:sp>
+      <p:pic>
+        <p:nvPicPr>
+          <p:cNvPr id="24" name="Obraz 23" descr="Obraz zawierający budynek, rysunek, zegar&#10;&#10;Opis wygenerowany automatycznie">
+            <a:extLst>
+              <a:ext uri="{FF2B5EF4-FFF2-40B4-BE49-F238E27FC236}">
+                <a16:creationId xmlns:a16="http://schemas.microsoft.com/office/drawing/2014/main" id="{6767487B-0FA6-4DE6-95E4-1EC240858DD1}"/>
+              </a:ext>
+            </a:extLst>
+          </p:cNvPr>
+          <p:cNvPicPr>
+            <a:picLocks noChangeAspect="1"/>
+          </p:cNvPicPr>
+          <p:nvPr/>
+        </p:nvPicPr>
+        <p:blipFill>
+          <a:blip r:embed="rId4" cstate="print">
+            <a:biLevel thresh="25000"/>
+            <a:extLst>
+              <a:ext uri="{28A0092B-C50C-407E-A947-70E740481C1C}">
+                <a14:useLocalDpi xmlns:a14="http://schemas.microsoft.com/office/drawing/2010/main" val="0"/>
+              </a:ext>
+            </a:extLst>
+          </a:blip>
+          <a:stretch>
+            <a:fillRect/>
+          </a:stretch>
+        </p:blipFill>
+        <p:spPr>
+          <a:xfrm>
+            <a:off x="9135356" y="4655732"/>
+            <a:ext cx="1574800" cy="1574800"/>
+          </a:xfrm>
+          <a:prstGeom prst="rect">
+            <a:avLst/>
+          </a:prstGeom>
+        </p:spPr>
+      </p:pic>
+      <p:sp>
+        <p:nvSpPr>
+          <p:cNvPr id="30" name="Strzałka w prawo 7">
+            <a:extLst>
+              <a:ext uri="{FF2B5EF4-FFF2-40B4-BE49-F238E27FC236}">
+                <a16:creationId xmlns:a16="http://schemas.microsoft.com/office/drawing/2014/main" id="{E116485C-D75C-4745-9282-4EBB8D1C7C36}"/>
+              </a:ext>
+            </a:extLst>
+          </p:cNvPr>
+          <p:cNvSpPr/>
+          <p:nvPr/>
+        </p:nvSpPr>
+        <p:spPr>
+          <a:xfrm rot="10800000">
+            <a:off x="7311491" y="5255647"/>
+            <a:ext cx="1451854" cy="374970"/>
+          </a:xfrm>
+          <a:prstGeom prst="rightArrow">
+            <a:avLst/>
+          </a:prstGeom>
+        </p:spPr>
+        <p:style>
+          <a:lnRef idx="1">
+            <a:schemeClr val="accent4"/>
+          </a:lnRef>
+          <a:fillRef idx="3">
+            <a:schemeClr val="accent4"/>
+          </a:fillRef>
+          <a:effectRef idx="2">
+            <a:schemeClr val="accent4"/>
+          </a:effectRef>
+          <a:fontRef idx="minor">
+            <a:schemeClr val="lt1"/>
+          </a:fontRef>
+        </p:style>
+        <p:txBody>
+          <a:bodyPr rtlCol="0" anchor="ctr"/>
+          <a:lstStyle/>
+          <a:p>
+            <a:pPr algn="ctr"/>
+            <a:endParaRPr lang="en-US"/>
+          </a:p>
+        </p:txBody>
+      </p:sp>
+      <p:sp>
+        <p:nvSpPr>
+          <p:cNvPr id="2" name="Prostokąt zaokrąglony 7">
+            <a:extLst>
+              <a:ext uri="{FF2B5EF4-FFF2-40B4-BE49-F238E27FC236}">
+                <a16:creationId xmlns:a16="http://schemas.microsoft.com/office/drawing/2014/main" id="{B5C02D19-C183-45D7-82D3-329473E6C99E}"/>
+              </a:ext>
+            </a:extLst>
+          </p:cNvPr>
+          <p:cNvSpPr/>
+          <p:nvPr/>
+        </p:nvSpPr>
+        <p:spPr>
+          <a:xfrm rot="16200000">
+            <a:off x="-130956" y="3095736"/>
+            <a:ext cx="4800404" cy="1414360"/>
+          </a:xfrm>
+          <a:prstGeom prst="roundRect">
+            <a:avLst/>
+          </a:prstGeom>
+        </p:spPr>
+        <p:style>
+          <a:lnRef idx="1">
+            <a:schemeClr val="accent2"/>
+          </a:lnRef>
+          <a:fillRef idx="3">
+            <a:schemeClr val="accent2"/>
+          </a:fillRef>
+          <a:effectRef idx="2">
+            <a:schemeClr val="accent2"/>
+          </a:effectRef>
+          <a:fontRef idx="minor">
+            <a:schemeClr val="lt1"/>
+          </a:fontRef>
+        </p:style>
+        <p:txBody>
+          <a:bodyPr vert="vert" rtlCol="0" anchor="ctr"/>
+          <a:lstStyle/>
+          <a:p>
+            <a:pPr algn="ctr"/>
+            <a:r>
+              <a:rPr lang="pl-PL" sz="2800" dirty="0">
+                <a:latin typeface="Arial Black" panose="020B0A04020102020204" pitchFamily="34" charset="0"/>
+              </a:rPr>
+              <a:t>UI</a:t>
+            </a:r>
+            <a:endParaRPr lang="en-US" sz="2000" dirty="0">
+              <a:latin typeface="Arial Black" panose="020B0A04020102020204" pitchFamily="34" charset="0"/>
+            </a:endParaRPr>
+          </a:p>
+        </p:txBody>
+      </p:sp>
+      <p:sp>
+        <p:nvSpPr>
+          <p:cNvPr id="7" name="Strzałka w prawo 7">
+            <a:extLst>
+              <a:ext uri="{FF2B5EF4-FFF2-40B4-BE49-F238E27FC236}">
+                <a16:creationId xmlns:a16="http://schemas.microsoft.com/office/drawing/2014/main" id="{48212CC0-42A7-4514-9BF7-2BC7A917F2E9}"/>
+              </a:ext>
+            </a:extLst>
+          </p:cNvPr>
+          <p:cNvSpPr/>
+          <p:nvPr/>
+        </p:nvSpPr>
+        <p:spPr>
+          <a:xfrm>
+            <a:off x="3484735" y="3632238"/>
+            <a:ext cx="1451854" cy="374970"/>
+          </a:xfrm>
+          <a:prstGeom prst="rightArrow">
+            <a:avLst/>
+          </a:prstGeom>
+        </p:spPr>
+        <p:style>
+          <a:lnRef idx="1">
+            <a:schemeClr val="accent4"/>
+          </a:lnRef>
+          <a:fillRef idx="3">
+            <a:schemeClr val="accent4"/>
+          </a:fillRef>
+          <a:effectRef idx="2">
+            <a:schemeClr val="accent4"/>
+          </a:effectRef>
+          <a:fontRef idx="minor">
+            <a:schemeClr val="lt1"/>
+          </a:fontRef>
+        </p:style>
+        <p:txBody>
+          <a:bodyPr rtlCol="0" anchor="ctr"/>
+          <a:lstStyle/>
+          <a:p>
+            <a:pPr algn="ctr"/>
+            <a:endParaRPr lang="en-US"/>
+          </a:p>
+        </p:txBody>
+      </p:sp>
+      <p:sp>
+        <p:nvSpPr>
+          <p:cNvPr id="25" name="Strzałka w prawo 7">
+            <a:extLst>
+              <a:ext uri="{FF2B5EF4-FFF2-40B4-BE49-F238E27FC236}">
+                <a16:creationId xmlns:a16="http://schemas.microsoft.com/office/drawing/2014/main" id="{F693DFE2-981A-4BDB-822B-7A2A7F9C88FC}"/>
+              </a:ext>
+            </a:extLst>
+          </p:cNvPr>
+          <p:cNvSpPr/>
+          <p:nvPr/>
+        </p:nvSpPr>
+        <p:spPr>
+          <a:xfrm>
+            <a:off x="7311574" y="3632238"/>
+            <a:ext cx="1451854" cy="374970"/>
+          </a:xfrm>
+          <a:prstGeom prst="rightArrow">
+            <a:avLst/>
+          </a:prstGeom>
+        </p:spPr>
+        <p:style>
+          <a:lnRef idx="1">
+            <a:schemeClr val="accent4"/>
+          </a:lnRef>
+          <a:fillRef idx="3">
+            <a:schemeClr val="accent4"/>
+          </a:fillRef>
+          <a:effectRef idx="2">
+            <a:schemeClr val="accent4"/>
+          </a:effectRef>
+          <a:fontRef idx="minor">
+            <a:schemeClr val="lt1"/>
+          </a:fontRef>
+        </p:style>
+        <p:txBody>
+          <a:bodyPr rtlCol="0" anchor="ctr"/>
+          <a:lstStyle/>
+          <a:p>
+            <a:pPr algn="ctr"/>
+            <a:endParaRPr lang="en-US"/>
+          </a:p>
+        </p:txBody>
+      </p:sp>
+      <p:pic>
+        <p:nvPicPr>
+          <p:cNvPr id="26" name="Grafika 25" descr="Koperta">
+            <a:extLst>
+              <a:ext uri="{FF2B5EF4-FFF2-40B4-BE49-F238E27FC236}">
+                <a16:creationId xmlns:a16="http://schemas.microsoft.com/office/drawing/2014/main" id="{03970273-1E92-4BD9-80A9-24EBD9770762}"/>
+              </a:ext>
+            </a:extLst>
+          </p:cNvPr>
+          <p:cNvPicPr>
+            <a:picLocks noChangeAspect="1"/>
+          </p:cNvPicPr>
+          <p:nvPr/>
+        </p:nvPicPr>
+        <p:blipFill>
+          <a:blip r:embed="rId2">
+            <a:extLst>
+              <a:ext uri="{28A0092B-C50C-407E-A947-70E740481C1C}">
+                <a14:useLocalDpi xmlns:a14="http://schemas.microsoft.com/office/drawing/2010/main" val="0"/>
+              </a:ext>
+              <a:ext uri="{96DAC541-7B7A-43D3-8B79-37D633B846F1}">
+                <asvg:svgBlip xmlns:asvg="http://schemas.microsoft.com/office/drawing/2016/SVG/main" r:embed="rId3"/>
+              </a:ext>
+            </a:extLst>
+          </a:blip>
+          <a:stretch>
+            <a:fillRect/>
+          </a:stretch>
+        </p:blipFill>
+        <p:spPr>
+          <a:xfrm>
+            <a:off x="7323561" y="2341872"/>
+            <a:ext cx="1419752" cy="1419752"/>
+          </a:xfrm>
+          <a:prstGeom prst="rect">
+            <a:avLst/>
+          </a:prstGeom>
+        </p:spPr>
+      </p:pic>
+      <p:sp>
+        <p:nvSpPr>
+          <p:cNvPr id="17" name="Strzałka w prawo 7">
+            <a:extLst>
+              <a:ext uri="{FF2B5EF4-FFF2-40B4-BE49-F238E27FC236}">
+                <a16:creationId xmlns:a16="http://schemas.microsoft.com/office/drawing/2014/main" id="{7B7A1CE1-D955-4839-AADE-689598D5E3F2}"/>
+              </a:ext>
+            </a:extLst>
+          </p:cNvPr>
+          <p:cNvSpPr/>
+          <p:nvPr/>
+        </p:nvSpPr>
+        <p:spPr>
+          <a:xfrm rot="10800000">
+            <a:off x="3456696" y="4090772"/>
+            <a:ext cx="1451854" cy="374970"/>
+          </a:xfrm>
+          <a:prstGeom prst="rightArrow">
+            <a:avLst/>
+          </a:prstGeom>
+        </p:spPr>
+        <p:style>
+          <a:lnRef idx="1">
+            <a:schemeClr val="accent4"/>
+          </a:lnRef>
+          <a:fillRef idx="3">
+            <a:schemeClr val="accent4"/>
+          </a:fillRef>
+          <a:effectRef idx="2">
+            <a:schemeClr val="accent4"/>
+          </a:effectRef>
+          <a:fontRef idx="minor">
+            <a:schemeClr val="lt1"/>
+          </a:fontRef>
+        </p:style>
+        <p:txBody>
+          <a:bodyPr rtlCol="0" anchor="ctr"/>
+          <a:lstStyle/>
+          <a:p>
+            <a:pPr algn="ctr"/>
+            <a:endParaRPr lang="en-US"/>
+          </a:p>
+        </p:txBody>
+      </p:sp>
+      <p:pic>
+        <p:nvPicPr>
+          <p:cNvPr id="35" name="Grafika 34" descr="Koperta">
+            <a:extLst>
+              <a:ext uri="{FF2B5EF4-FFF2-40B4-BE49-F238E27FC236}">
+                <a16:creationId xmlns:a16="http://schemas.microsoft.com/office/drawing/2014/main" id="{2FF84AB3-89E8-43E1-92C8-1DE0C5AAE7C8}"/>
+              </a:ext>
+            </a:extLst>
+          </p:cNvPr>
+          <p:cNvPicPr>
+            <a:picLocks noChangeAspect="1"/>
+          </p:cNvPicPr>
+          <p:nvPr/>
+        </p:nvPicPr>
+        <p:blipFill>
+          <a:blip r:embed="rId2">
+            <a:extLst>
+              <a:ext uri="{28A0092B-C50C-407E-A947-70E740481C1C}">
+                <a14:useLocalDpi xmlns:a14="http://schemas.microsoft.com/office/drawing/2010/main" val="0"/>
+              </a:ext>
+              <a:ext uri="{96DAC541-7B7A-43D3-8B79-37D633B846F1}">
+                <asvg:svgBlip xmlns:asvg="http://schemas.microsoft.com/office/drawing/2016/SVG/main" r:embed="rId3"/>
+              </a:ext>
+            </a:extLst>
+          </a:blip>
+          <a:stretch>
+            <a:fillRect/>
+          </a:stretch>
+        </p:blipFill>
+        <p:spPr>
+          <a:xfrm>
+            <a:off x="3500787" y="2212486"/>
+            <a:ext cx="1419752" cy="1419752"/>
+          </a:xfrm>
+          <a:prstGeom prst="rect">
+            <a:avLst/>
+          </a:prstGeom>
+        </p:spPr>
+      </p:pic>
+      <p:sp>
+        <p:nvSpPr>
+          <p:cNvPr id="36" name="pole tekstowe 35">
+            <a:extLst>
+              <a:ext uri="{FF2B5EF4-FFF2-40B4-BE49-F238E27FC236}">
+                <a16:creationId xmlns:a16="http://schemas.microsoft.com/office/drawing/2014/main" id="{45219BE4-B2FD-45DE-974B-31DFEBC9E35A}"/>
+              </a:ext>
+            </a:extLst>
+          </p:cNvPr>
+          <p:cNvSpPr txBox="1"/>
+          <p:nvPr/>
+        </p:nvSpPr>
+        <p:spPr>
+          <a:xfrm>
+            <a:off x="3029277" y="1950876"/>
+            <a:ext cx="2247334" cy="523220"/>
+          </a:xfrm>
+          <a:prstGeom prst="rect">
+            <a:avLst/>
+          </a:prstGeom>
+          <a:noFill/>
+        </p:spPr>
+        <p:txBody>
+          <a:bodyPr wrap="square" rtlCol="0">
+            <a:spAutoFit/>
+          </a:bodyPr>
+          <a:lstStyle/>
+          <a:p>
+            <a:pPr algn="ctr"/>
+            <a:r>
+              <a:rPr lang="pl-PL" sz="2800" b="1" dirty="0">
+                <a:solidFill>
+                  <a:schemeClr val="bg1"/>
+                </a:solidFill>
+              </a:rPr>
+              <a:t>HTTP</a:t>
+            </a:r>
+          </a:p>
+        </p:txBody>
+      </p:sp>
+    </p:spTree>
+    <p:extLst>
+      <p:ext uri="{BB962C8B-B14F-4D97-AF65-F5344CB8AC3E}">
+        <p14:creationId xmlns:p14="http://schemas.microsoft.com/office/powerpoint/2010/main" val="3321552129"/>
+      </p:ext>
+    </p:extLst>
+  </p:cSld>
+  <p:clrMapOvr>
+    <a:masterClrMapping/>
+  </p:clrMapOvr>
+</p:sld>
+</file>
+
+<file path=ppt/slides/slide12.xml><?xml version="1.0" encoding="utf-8"?>
+<p:sld xmlns:a="http://schemas.openxmlformats.org/drawingml/2006/main" xmlns:r="http://schemas.openxmlformats.org/officeDocument/2006/relationships" xmlns:p="http://schemas.openxmlformats.org/presentationml/2006/main">
+  <p:cSld>
+    <p:spTree>
+      <p:nvGrpSpPr>
+        <p:cNvPr id="1" name=""/>
+        <p:cNvGrpSpPr/>
+        <p:nvPr/>
+      </p:nvGrpSpPr>
+      <p:grpSpPr>
+        <a:xfrm>
+          <a:off x="0" y="0"/>
+          <a:ext cx="0" cy="0"/>
+          <a:chOff x="0" y="0"/>
+          <a:chExt cx="0" cy="0"/>
+        </a:xfrm>
+      </p:grpSpPr>
+      <p:sp>
+        <p:nvSpPr>
+          <p:cNvPr id="18" name="Prostokąt zaokrąglony 7">
+            <a:extLst>
+              <a:ext uri="{FF2B5EF4-FFF2-40B4-BE49-F238E27FC236}">
+                <a16:creationId xmlns:a16="http://schemas.microsoft.com/office/drawing/2014/main" id="{137DDB04-7098-4AD0-8E30-EA88CE3423E8}"/>
+              </a:ext>
+            </a:extLst>
+          </p:cNvPr>
+          <p:cNvSpPr/>
+          <p:nvPr/>
+        </p:nvSpPr>
+        <p:spPr>
+          <a:xfrm rot="16200000">
+            <a:off x="3695798" y="3095736"/>
+            <a:ext cx="4800404" cy="1414360"/>
+          </a:xfrm>
+          <a:prstGeom prst="roundRect">
+            <a:avLst/>
+          </a:prstGeom>
+        </p:spPr>
+        <p:style>
+          <a:lnRef idx="1">
+            <a:schemeClr val="accent6"/>
+          </a:lnRef>
+          <a:fillRef idx="3">
+            <a:schemeClr val="accent6"/>
+          </a:fillRef>
+          <a:effectRef idx="2">
+            <a:schemeClr val="accent6"/>
+          </a:effectRef>
+          <a:fontRef idx="minor">
+            <a:schemeClr val="lt1"/>
+          </a:fontRef>
+        </p:style>
+        <p:txBody>
+          <a:bodyPr vert="horz" rtlCol="0" anchor="ctr"/>
+          <a:lstStyle/>
+          <a:p>
+            <a:pPr algn="ctr"/>
+            <a:r>
+              <a:rPr lang="pl-PL" sz="2800" dirty="0">
+                <a:latin typeface="Arial Black" panose="020B0A04020102020204" pitchFamily="34" charset="0"/>
+              </a:rPr>
+              <a:t>Web Server</a:t>
+            </a:r>
+            <a:endParaRPr lang="en-US" sz="2000" dirty="0">
+              <a:latin typeface="Arial Black" panose="020B0A04020102020204" pitchFamily="34" charset="0"/>
+            </a:endParaRPr>
+          </a:p>
+        </p:txBody>
+      </p:sp>
+      <p:sp>
+        <p:nvSpPr>
+          <p:cNvPr id="19" name="Strzałka w prawo 7">
+            <a:extLst>
+              <a:ext uri="{FF2B5EF4-FFF2-40B4-BE49-F238E27FC236}">
+                <a16:creationId xmlns:a16="http://schemas.microsoft.com/office/drawing/2014/main" id="{2EAAFEE9-67B6-4623-8E00-A62C4450601B}"/>
+              </a:ext>
+            </a:extLst>
+          </p:cNvPr>
+          <p:cNvSpPr/>
+          <p:nvPr/>
+        </p:nvSpPr>
+        <p:spPr>
+          <a:xfrm>
+            <a:off x="7311491" y="3632239"/>
+            <a:ext cx="1451854" cy="374970"/>
+          </a:xfrm>
+          <a:prstGeom prst="rightArrow">
+            <a:avLst/>
+          </a:prstGeom>
+        </p:spPr>
+        <p:style>
+          <a:lnRef idx="1">
+            <a:schemeClr val="accent4"/>
+          </a:lnRef>
+          <a:fillRef idx="3">
+            <a:schemeClr val="accent4"/>
+          </a:fillRef>
+          <a:effectRef idx="2">
+            <a:schemeClr val="accent4"/>
+          </a:effectRef>
+          <a:fontRef idx="minor">
+            <a:schemeClr val="lt1"/>
+          </a:fontRef>
+        </p:style>
+        <p:txBody>
+          <a:bodyPr rtlCol="0" anchor="ctr"/>
+          <a:lstStyle/>
+          <a:p>
+            <a:pPr algn="ctr"/>
+            <a:endParaRPr lang="en-US"/>
+          </a:p>
+        </p:txBody>
+      </p:sp>
+      <p:sp>
+        <p:nvSpPr>
+          <p:cNvPr id="20" name="Prostokąt zaokrąglony 7">
+            <a:extLst>
+              <a:ext uri="{FF2B5EF4-FFF2-40B4-BE49-F238E27FC236}">
+                <a16:creationId xmlns:a16="http://schemas.microsoft.com/office/drawing/2014/main" id="{60B63CF7-02EA-4AE9-A661-8326364B44B8}"/>
+              </a:ext>
+            </a:extLst>
+          </p:cNvPr>
+          <p:cNvSpPr/>
+          <p:nvPr/>
+        </p:nvSpPr>
+        <p:spPr>
+          <a:xfrm rot="16200000">
+            <a:off x="8484986" y="2133307"/>
+            <a:ext cx="2875539" cy="1414360"/>
+          </a:xfrm>
+          <a:prstGeom prst="roundRect">
+            <a:avLst/>
+          </a:prstGeom>
+        </p:spPr>
+        <p:style>
+          <a:lnRef idx="1">
+            <a:schemeClr val="accent5"/>
+          </a:lnRef>
+          <a:fillRef idx="3">
+            <a:schemeClr val="accent5"/>
+          </a:fillRef>
+          <a:effectRef idx="2">
+            <a:schemeClr val="accent5"/>
+          </a:effectRef>
+          <a:fontRef idx="minor">
+            <a:schemeClr val="lt1"/>
+          </a:fontRef>
+        </p:style>
+        <p:txBody>
+          <a:bodyPr rtlCol="0" anchor="ctr"/>
+          <a:lstStyle/>
+          <a:p>
+            <a:pPr algn="ctr"/>
+            <a:r>
+              <a:rPr lang="pl-PL" sz="2800" dirty="0" err="1">
+                <a:latin typeface="Arial Black" panose="020B0A04020102020204" pitchFamily="34" charset="0"/>
+              </a:rPr>
+              <a:t>Orders</a:t>
+            </a:r>
+            <a:endParaRPr lang="en-US" sz="2800" dirty="0">
+              <a:latin typeface="Arial Black" panose="020B0A04020102020204" pitchFamily="34" charset="0"/>
+            </a:endParaRPr>
+          </a:p>
+        </p:txBody>
+      </p:sp>
+      <p:pic>
+        <p:nvPicPr>
+          <p:cNvPr id="22" name="Grafika 21" descr="Koperta">
+            <a:extLst>
+              <a:ext uri="{FF2B5EF4-FFF2-40B4-BE49-F238E27FC236}">
+                <a16:creationId xmlns:a16="http://schemas.microsoft.com/office/drawing/2014/main" id="{0F61489E-3276-4275-A92D-112C5A4AD295}"/>
+              </a:ext>
+            </a:extLst>
+          </p:cNvPr>
+          <p:cNvPicPr>
+            <a:picLocks noChangeAspect="1"/>
+          </p:cNvPicPr>
+          <p:nvPr/>
+        </p:nvPicPr>
+        <p:blipFill>
+          <a:blip r:embed="rId2">
+            <a:extLst>
+              <a:ext uri="{28A0092B-C50C-407E-A947-70E740481C1C}">
+                <a14:useLocalDpi xmlns:a14="http://schemas.microsoft.com/office/drawing/2010/main" val="0"/>
+              </a:ext>
+              <a:ext uri="{96DAC541-7B7A-43D3-8B79-37D633B846F1}">
+                <asvg:svgBlip xmlns:asvg="http://schemas.microsoft.com/office/drawing/2016/SVG/main" r:embed="rId3"/>
+              </a:ext>
+            </a:extLst>
+          </a:blip>
+          <a:stretch>
+            <a:fillRect/>
+          </a:stretch>
+        </p:blipFill>
+        <p:spPr>
+          <a:xfrm>
+            <a:off x="7327542" y="2341873"/>
+            <a:ext cx="1419752" cy="1419752"/>
+          </a:xfrm>
+          <a:prstGeom prst="rect">
+            <a:avLst/>
+          </a:prstGeom>
+        </p:spPr>
+      </p:pic>
+      <p:sp>
+        <p:nvSpPr>
+          <p:cNvPr id="23" name="pole tekstowe 22">
+            <a:extLst>
+              <a:ext uri="{FF2B5EF4-FFF2-40B4-BE49-F238E27FC236}">
+                <a16:creationId xmlns:a16="http://schemas.microsoft.com/office/drawing/2014/main" id="{B151CD10-317B-405D-A159-3068CBD8DE7A}"/>
+              </a:ext>
+            </a:extLst>
+          </p:cNvPr>
+          <p:cNvSpPr txBox="1"/>
+          <p:nvPr/>
+        </p:nvSpPr>
+        <p:spPr>
+          <a:xfrm>
+            <a:off x="6929802" y="1720188"/>
+            <a:ext cx="2247334" cy="954107"/>
+          </a:xfrm>
+          <a:prstGeom prst="rect">
+            <a:avLst/>
+          </a:prstGeom>
+          <a:noFill/>
+        </p:spPr>
+        <p:txBody>
+          <a:bodyPr wrap="square" rtlCol="0">
+            <a:spAutoFit/>
+          </a:bodyPr>
+          <a:lstStyle/>
+          <a:p>
+            <a:pPr algn="ctr"/>
+            <a:r>
+              <a:rPr lang="pl-PL" sz="2800" b="1" dirty="0" err="1">
+                <a:solidFill>
+                  <a:schemeClr val="bg1"/>
+                </a:solidFill>
+              </a:rPr>
+              <a:t>Submit</a:t>
+            </a:r>
+            <a:endParaRPr lang="pl-PL" sz="2800" b="1" dirty="0">
+              <a:solidFill>
+                <a:schemeClr val="bg1"/>
+              </a:solidFill>
+            </a:endParaRPr>
+          </a:p>
+          <a:p>
+            <a:pPr algn="ctr"/>
+            <a:r>
+              <a:rPr lang="pl-PL" sz="2800" b="1" dirty="0" err="1">
+                <a:solidFill>
+                  <a:schemeClr val="bg1"/>
+                </a:solidFill>
+              </a:rPr>
+              <a:t>AddItem</a:t>
+            </a:r>
+            <a:endParaRPr lang="pl-PL" sz="2800" b="1" dirty="0">
+              <a:solidFill>
+                <a:schemeClr val="bg1"/>
+              </a:solidFill>
+            </a:endParaRPr>
+          </a:p>
+        </p:txBody>
+      </p:sp>
+      <p:pic>
+        <p:nvPicPr>
+          <p:cNvPr id="24" name="Obraz 23" descr="Obraz zawierający budynek, rysunek, zegar&#10;&#10;Opis wygenerowany automatycznie">
+            <a:extLst>
+              <a:ext uri="{FF2B5EF4-FFF2-40B4-BE49-F238E27FC236}">
+                <a16:creationId xmlns:a16="http://schemas.microsoft.com/office/drawing/2014/main" id="{6767487B-0FA6-4DE6-95E4-1EC240858DD1}"/>
+              </a:ext>
+            </a:extLst>
+          </p:cNvPr>
+          <p:cNvPicPr>
+            <a:picLocks noChangeAspect="1"/>
+          </p:cNvPicPr>
+          <p:nvPr/>
+        </p:nvPicPr>
+        <p:blipFill>
+          <a:blip r:embed="rId4" cstate="print">
+            <a:biLevel thresh="25000"/>
+            <a:extLst>
+              <a:ext uri="{28A0092B-C50C-407E-A947-70E740481C1C}">
+                <a14:useLocalDpi xmlns:a14="http://schemas.microsoft.com/office/drawing/2010/main" val="0"/>
+              </a:ext>
+            </a:extLst>
+          </a:blip>
+          <a:stretch>
+            <a:fillRect/>
+          </a:stretch>
+        </p:blipFill>
+        <p:spPr>
+          <a:xfrm>
+            <a:off x="9135356" y="4655732"/>
+            <a:ext cx="1574800" cy="1574800"/>
+          </a:xfrm>
+          <a:prstGeom prst="rect">
+            <a:avLst/>
+          </a:prstGeom>
+        </p:spPr>
+      </p:pic>
+      <p:sp>
+        <p:nvSpPr>
+          <p:cNvPr id="30" name="Strzałka w prawo 7">
+            <a:extLst>
+              <a:ext uri="{FF2B5EF4-FFF2-40B4-BE49-F238E27FC236}">
+                <a16:creationId xmlns:a16="http://schemas.microsoft.com/office/drawing/2014/main" id="{E116485C-D75C-4745-9282-4EBB8D1C7C36}"/>
+              </a:ext>
+            </a:extLst>
+          </p:cNvPr>
+          <p:cNvSpPr/>
+          <p:nvPr/>
+        </p:nvSpPr>
+        <p:spPr>
+          <a:xfrm rot="10800000">
+            <a:off x="7311491" y="5255647"/>
+            <a:ext cx="1451854" cy="374970"/>
+          </a:xfrm>
+          <a:prstGeom prst="rightArrow">
+            <a:avLst/>
+          </a:prstGeom>
+        </p:spPr>
+        <p:style>
+          <a:lnRef idx="1">
+            <a:schemeClr val="accent4"/>
+          </a:lnRef>
+          <a:fillRef idx="3">
+            <a:schemeClr val="accent4"/>
+          </a:fillRef>
+          <a:effectRef idx="2">
+            <a:schemeClr val="accent4"/>
+          </a:effectRef>
+          <a:fontRef idx="minor">
+            <a:schemeClr val="lt1"/>
+          </a:fontRef>
+        </p:style>
+        <p:txBody>
+          <a:bodyPr rtlCol="0" anchor="ctr"/>
+          <a:lstStyle/>
+          <a:p>
+            <a:pPr algn="ctr"/>
+            <a:endParaRPr lang="en-US"/>
+          </a:p>
+        </p:txBody>
+      </p:sp>
+      <p:sp>
+        <p:nvSpPr>
+          <p:cNvPr id="2" name="Prostokąt zaokrąglony 7">
+            <a:extLst>
+              <a:ext uri="{FF2B5EF4-FFF2-40B4-BE49-F238E27FC236}">
+                <a16:creationId xmlns:a16="http://schemas.microsoft.com/office/drawing/2014/main" id="{B5C02D19-C183-45D7-82D3-329473E6C99E}"/>
+              </a:ext>
+            </a:extLst>
+          </p:cNvPr>
+          <p:cNvSpPr/>
+          <p:nvPr/>
+        </p:nvSpPr>
+        <p:spPr>
+          <a:xfrm rot="16200000">
+            <a:off x="-130956" y="3095736"/>
+            <a:ext cx="4800404" cy="1414360"/>
+          </a:xfrm>
+          <a:prstGeom prst="roundRect">
+            <a:avLst/>
+          </a:prstGeom>
+        </p:spPr>
+        <p:style>
+          <a:lnRef idx="1">
+            <a:schemeClr val="accent2"/>
+          </a:lnRef>
+          <a:fillRef idx="3">
+            <a:schemeClr val="accent2"/>
+          </a:fillRef>
+          <a:effectRef idx="2">
+            <a:schemeClr val="accent2"/>
+          </a:effectRef>
+          <a:fontRef idx="minor">
+            <a:schemeClr val="lt1"/>
+          </a:fontRef>
+        </p:style>
+        <p:txBody>
+          <a:bodyPr vert="vert" rtlCol="0" anchor="ctr"/>
+          <a:lstStyle/>
+          <a:p>
+            <a:pPr algn="ctr"/>
+            <a:r>
+              <a:rPr lang="pl-PL" sz="2800" dirty="0">
+                <a:latin typeface="Arial Black" panose="020B0A04020102020204" pitchFamily="34" charset="0"/>
+              </a:rPr>
+              <a:t>UI</a:t>
+            </a:r>
+            <a:endParaRPr lang="en-US" sz="2000" dirty="0">
+              <a:latin typeface="Arial Black" panose="020B0A04020102020204" pitchFamily="34" charset="0"/>
+            </a:endParaRPr>
+          </a:p>
+        </p:txBody>
+      </p:sp>
+      <p:sp>
+        <p:nvSpPr>
+          <p:cNvPr id="7" name="Strzałka w prawo 7">
+            <a:extLst>
+              <a:ext uri="{FF2B5EF4-FFF2-40B4-BE49-F238E27FC236}">
+                <a16:creationId xmlns:a16="http://schemas.microsoft.com/office/drawing/2014/main" id="{48212CC0-42A7-4514-9BF7-2BC7A917F2E9}"/>
+              </a:ext>
+            </a:extLst>
+          </p:cNvPr>
+          <p:cNvSpPr/>
+          <p:nvPr/>
+        </p:nvSpPr>
+        <p:spPr>
+          <a:xfrm>
+            <a:off x="3484735" y="3632238"/>
+            <a:ext cx="1451854" cy="374970"/>
+          </a:xfrm>
+          <a:prstGeom prst="rightArrow">
+            <a:avLst/>
+          </a:prstGeom>
+        </p:spPr>
+        <p:style>
+          <a:lnRef idx="1">
+            <a:schemeClr val="accent4"/>
+          </a:lnRef>
+          <a:fillRef idx="3">
+            <a:schemeClr val="accent4"/>
+          </a:fillRef>
+          <a:effectRef idx="2">
+            <a:schemeClr val="accent4"/>
+          </a:effectRef>
+          <a:fontRef idx="minor">
+            <a:schemeClr val="lt1"/>
+          </a:fontRef>
+        </p:style>
+        <p:txBody>
+          <a:bodyPr rtlCol="0" anchor="ctr"/>
+          <a:lstStyle/>
+          <a:p>
+            <a:pPr algn="ctr"/>
+            <a:endParaRPr lang="en-US"/>
+          </a:p>
+        </p:txBody>
+      </p:sp>
+      <p:sp>
+        <p:nvSpPr>
+          <p:cNvPr id="25" name="Strzałka w prawo 7">
+            <a:extLst>
+              <a:ext uri="{FF2B5EF4-FFF2-40B4-BE49-F238E27FC236}">
+                <a16:creationId xmlns:a16="http://schemas.microsoft.com/office/drawing/2014/main" id="{F693DFE2-981A-4BDB-822B-7A2A7F9C88FC}"/>
+              </a:ext>
+            </a:extLst>
+          </p:cNvPr>
+          <p:cNvSpPr/>
+          <p:nvPr/>
+        </p:nvSpPr>
+        <p:spPr>
+          <a:xfrm>
+            <a:off x="7311574" y="3632238"/>
+            <a:ext cx="1451854" cy="374970"/>
+          </a:xfrm>
+          <a:prstGeom prst="rightArrow">
+            <a:avLst/>
+          </a:prstGeom>
+        </p:spPr>
+        <p:style>
+          <a:lnRef idx="1">
+            <a:schemeClr val="accent4"/>
+          </a:lnRef>
+          <a:fillRef idx="3">
+            <a:schemeClr val="accent4"/>
+          </a:fillRef>
+          <a:effectRef idx="2">
+            <a:schemeClr val="accent4"/>
+          </a:effectRef>
+          <a:fontRef idx="minor">
+            <a:schemeClr val="lt1"/>
+          </a:fontRef>
+        </p:style>
+        <p:txBody>
+          <a:bodyPr rtlCol="0" anchor="ctr"/>
+          <a:lstStyle/>
+          <a:p>
+            <a:pPr algn="ctr"/>
+            <a:endParaRPr lang="en-US"/>
+          </a:p>
+        </p:txBody>
+      </p:sp>
+      <p:pic>
+        <p:nvPicPr>
+          <p:cNvPr id="26" name="Grafika 25" descr="Koperta">
+            <a:extLst>
+              <a:ext uri="{FF2B5EF4-FFF2-40B4-BE49-F238E27FC236}">
+                <a16:creationId xmlns:a16="http://schemas.microsoft.com/office/drawing/2014/main" id="{03970273-1E92-4BD9-80A9-24EBD9770762}"/>
+              </a:ext>
+            </a:extLst>
+          </p:cNvPr>
+          <p:cNvPicPr>
+            <a:picLocks noChangeAspect="1"/>
+          </p:cNvPicPr>
+          <p:nvPr/>
+        </p:nvPicPr>
+        <p:blipFill>
+          <a:blip r:embed="rId2">
+            <a:extLst>
+              <a:ext uri="{28A0092B-C50C-407E-A947-70E740481C1C}">
+                <a14:useLocalDpi xmlns:a14="http://schemas.microsoft.com/office/drawing/2010/main" val="0"/>
+              </a:ext>
+              <a:ext uri="{96DAC541-7B7A-43D3-8B79-37D633B846F1}">
+                <asvg:svgBlip xmlns:asvg="http://schemas.microsoft.com/office/drawing/2016/SVG/main" r:embed="rId3"/>
+              </a:ext>
+            </a:extLst>
+          </a:blip>
+          <a:stretch>
+            <a:fillRect/>
+          </a:stretch>
+        </p:blipFill>
+        <p:spPr>
+          <a:xfrm>
+            <a:off x="7323561" y="2341872"/>
+            <a:ext cx="1419752" cy="1419752"/>
+          </a:xfrm>
+          <a:prstGeom prst="rect">
+            <a:avLst/>
+          </a:prstGeom>
+        </p:spPr>
+      </p:pic>
+      <p:sp>
+        <p:nvSpPr>
+          <p:cNvPr id="17" name="Strzałka w prawo 7">
+            <a:extLst>
+              <a:ext uri="{FF2B5EF4-FFF2-40B4-BE49-F238E27FC236}">
+                <a16:creationId xmlns:a16="http://schemas.microsoft.com/office/drawing/2014/main" id="{7B7A1CE1-D955-4839-AADE-689598D5E3F2}"/>
+              </a:ext>
+            </a:extLst>
+          </p:cNvPr>
+          <p:cNvSpPr/>
+          <p:nvPr/>
+        </p:nvSpPr>
+        <p:spPr>
+          <a:xfrm rot="10800000">
+            <a:off x="3456696" y="4090772"/>
+            <a:ext cx="1451854" cy="374970"/>
+          </a:xfrm>
+          <a:prstGeom prst="rightArrow">
+            <a:avLst/>
+          </a:prstGeom>
+        </p:spPr>
+        <p:style>
+          <a:lnRef idx="1">
+            <a:schemeClr val="accent4"/>
+          </a:lnRef>
+          <a:fillRef idx="3">
+            <a:schemeClr val="accent4"/>
+          </a:fillRef>
+          <a:effectRef idx="2">
+            <a:schemeClr val="accent4"/>
+          </a:effectRef>
+          <a:fontRef idx="minor">
+            <a:schemeClr val="lt1"/>
+          </a:fontRef>
+        </p:style>
+        <p:txBody>
+          <a:bodyPr rtlCol="0" anchor="ctr"/>
+          <a:lstStyle/>
+          <a:p>
+            <a:pPr algn="ctr"/>
+            <a:endParaRPr lang="en-US"/>
+          </a:p>
+        </p:txBody>
+      </p:sp>
+      <p:pic>
+        <p:nvPicPr>
+          <p:cNvPr id="35" name="Grafika 34" descr="Koperta">
+            <a:extLst>
+              <a:ext uri="{FF2B5EF4-FFF2-40B4-BE49-F238E27FC236}">
+                <a16:creationId xmlns:a16="http://schemas.microsoft.com/office/drawing/2014/main" id="{2FF84AB3-89E8-43E1-92C8-1DE0C5AAE7C8}"/>
+              </a:ext>
+            </a:extLst>
+          </p:cNvPr>
+          <p:cNvPicPr>
+            <a:picLocks noChangeAspect="1"/>
+          </p:cNvPicPr>
+          <p:nvPr/>
+        </p:nvPicPr>
+        <p:blipFill>
+          <a:blip r:embed="rId2">
+            <a:extLst>
+              <a:ext uri="{28A0092B-C50C-407E-A947-70E740481C1C}">
+                <a14:useLocalDpi xmlns:a14="http://schemas.microsoft.com/office/drawing/2010/main" val="0"/>
+              </a:ext>
+              <a:ext uri="{96DAC541-7B7A-43D3-8B79-37D633B846F1}">
+                <asvg:svgBlip xmlns:asvg="http://schemas.microsoft.com/office/drawing/2016/SVG/main" r:embed="rId3"/>
+              </a:ext>
+            </a:extLst>
+          </a:blip>
+          <a:stretch>
+            <a:fillRect/>
+          </a:stretch>
+        </p:blipFill>
+        <p:spPr>
+          <a:xfrm>
+            <a:off x="3500787" y="2212486"/>
+            <a:ext cx="1419752" cy="1419752"/>
+          </a:xfrm>
+          <a:prstGeom prst="rect">
+            <a:avLst/>
+          </a:prstGeom>
+        </p:spPr>
+      </p:pic>
+      <p:sp>
+        <p:nvSpPr>
+          <p:cNvPr id="36" name="pole tekstowe 35">
+            <a:extLst>
+              <a:ext uri="{FF2B5EF4-FFF2-40B4-BE49-F238E27FC236}">
+                <a16:creationId xmlns:a16="http://schemas.microsoft.com/office/drawing/2014/main" id="{45219BE4-B2FD-45DE-974B-31DFEBC9E35A}"/>
+              </a:ext>
+            </a:extLst>
+          </p:cNvPr>
+          <p:cNvSpPr txBox="1"/>
+          <p:nvPr/>
+        </p:nvSpPr>
+        <p:spPr>
+          <a:xfrm>
+            <a:off x="3029277" y="1950876"/>
+            <a:ext cx="2247334" cy="523220"/>
+          </a:xfrm>
+          <a:prstGeom prst="rect">
+            <a:avLst/>
+          </a:prstGeom>
+          <a:noFill/>
+        </p:spPr>
+        <p:txBody>
+          <a:bodyPr wrap="square" rtlCol="0">
+            <a:spAutoFit/>
+          </a:bodyPr>
+          <a:lstStyle/>
+          <a:p>
+            <a:pPr algn="ctr"/>
+            <a:r>
+              <a:rPr lang="pl-PL" sz="2800" b="1" dirty="0">
+                <a:solidFill>
+                  <a:schemeClr val="bg1"/>
+                </a:solidFill>
+              </a:rPr>
+              <a:t>HTTP</a:t>
+            </a:r>
+          </a:p>
+        </p:txBody>
+      </p:sp>
+    </p:spTree>
+    <p:extLst>
+      <p:ext uri="{BB962C8B-B14F-4D97-AF65-F5344CB8AC3E}">
+        <p14:creationId xmlns:p14="http://schemas.microsoft.com/office/powerpoint/2010/main" val="920014991"/>
+      </p:ext>
+    </p:extLst>
+  </p:cSld>
+  <p:clrMapOvr>
+    <a:masterClrMapping/>
+  </p:clrMapOvr>
+</p:sld>
+</file>
+
+<file path=ppt/slides/slide13.xml><?xml version="1.0" encoding="utf-8"?>
+<p:sld xmlns:a="http://schemas.openxmlformats.org/drawingml/2006/main" xmlns:r="http://schemas.openxmlformats.org/officeDocument/2006/relationships" xmlns:p="http://schemas.openxmlformats.org/presentationml/2006/main">
+  <p:cSld>
+    <p:spTree>
+      <p:nvGrpSpPr>
+        <p:cNvPr id="1" name=""/>
+        <p:cNvGrpSpPr/>
+        <p:nvPr/>
+      </p:nvGrpSpPr>
+      <p:grpSpPr>
+        <a:xfrm>
+          <a:off x="0" y="0"/>
+          <a:ext cx="0" cy="0"/>
+          <a:chOff x="0" y="0"/>
+          <a:chExt cx="0" cy="0"/>
+        </a:xfrm>
+      </p:grpSpPr>
+      <p:sp>
+        <p:nvSpPr>
+          <p:cNvPr id="2" name="Prostokąt zaokrąglony 7">
+            <a:extLst>
+              <a:ext uri="{FF2B5EF4-FFF2-40B4-BE49-F238E27FC236}">
+                <a16:creationId xmlns:a16="http://schemas.microsoft.com/office/drawing/2014/main" id="{B5C02D19-C183-45D7-82D3-329473E6C99E}"/>
+              </a:ext>
+            </a:extLst>
+          </p:cNvPr>
+          <p:cNvSpPr/>
+          <p:nvPr/>
+        </p:nvSpPr>
+        <p:spPr>
+          <a:xfrm rot="16200000">
+            <a:off x="-835163" y="3095737"/>
+            <a:ext cx="4800404" cy="1414360"/>
+          </a:xfrm>
+          <a:prstGeom prst="roundRect">
+            <a:avLst/>
+          </a:prstGeom>
+        </p:spPr>
+        <p:style>
+          <a:lnRef idx="1">
+            <a:schemeClr val="accent2"/>
+          </a:lnRef>
+          <a:fillRef idx="3">
+            <a:schemeClr val="accent2"/>
+          </a:fillRef>
+          <a:effectRef idx="2">
+            <a:schemeClr val="accent2"/>
+          </a:effectRef>
+          <a:fontRef idx="minor">
+            <a:schemeClr val="lt1"/>
+          </a:fontRef>
+        </p:style>
+        <p:txBody>
+          <a:bodyPr vert="vert" rtlCol="0" anchor="ctr"/>
+          <a:lstStyle/>
+          <a:p>
+            <a:pPr algn="ctr"/>
+            <a:r>
+              <a:rPr lang="pl-PL" sz="2800" dirty="0">
+                <a:latin typeface="Arial Black" panose="020B0A04020102020204" pitchFamily="34" charset="0"/>
+              </a:rPr>
+              <a:t>UI</a:t>
+            </a:r>
+            <a:endParaRPr lang="en-US" sz="2800" dirty="0">
+              <a:latin typeface="Arial Black" panose="020B0A04020102020204" pitchFamily="34" charset="0"/>
+            </a:endParaRPr>
+          </a:p>
+        </p:txBody>
+      </p:sp>
+      <p:sp>
+        <p:nvSpPr>
+          <p:cNvPr id="11" name="Prostokąt zaokrąglony 7">
+            <a:extLst>
+              <a:ext uri="{FF2B5EF4-FFF2-40B4-BE49-F238E27FC236}">
+                <a16:creationId xmlns:a16="http://schemas.microsoft.com/office/drawing/2014/main" id="{4AC9B384-EA0B-4550-8356-288F79BF69C8}"/>
+              </a:ext>
+            </a:extLst>
+          </p:cNvPr>
+          <p:cNvSpPr/>
+          <p:nvPr/>
+        </p:nvSpPr>
+        <p:spPr>
+          <a:xfrm rot="16200000">
+            <a:off x="3343695" y="3095738"/>
+            <a:ext cx="4800402" cy="1414360"/>
+          </a:xfrm>
+          <a:prstGeom prst="roundRect">
+            <a:avLst/>
+          </a:prstGeom>
+        </p:spPr>
+        <p:style>
+          <a:lnRef idx="1">
+            <a:schemeClr val="accent6"/>
+          </a:lnRef>
+          <a:fillRef idx="3">
+            <a:schemeClr val="accent6"/>
+          </a:fillRef>
+          <a:effectRef idx="2">
+            <a:schemeClr val="accent6"/>
+          </a:effectRef>
+          <a:fontRef idx="minor">
+            <a:schemeClr val="lt1"/>
+          </a:fontRef>
+        </p:style>
+        <p:txBody>
+          <a:bodyPr rtlCol="0" anchor="ctr"/>
+          <a:lstStyle/>
+          <a:p>
+            <a:pPr algn="ctr"/>
+            <a:r>
+              <a:rPr lang="pl-PL" sz="2800" dirty="0" err="1">
+                <a:latin typeface="Arial Black" panose="020B0A04020102020204" pitchFamily="34" charset="0"/>
+              </a:rPr>
+              <a:t>Frontend</a:t>
+            </a:r>
+            <a:endParaRPr lang="en-US" sz="2800" dirty="0">
+              <a:latin typeface="Arial Black" panose="020B0A04020102020204" pitchFamily="34" charset="0"/>
+            </a:endParaRPr>
+          </a:p>
+        </p:txBody>
+      </p:sp>
+      <p:sp>
+        <p:nvSpPr>
+          <p:cNvPr id="13" name="Strzałka w prawo 7">
+            <a:extLst>
+              <a:ext uri="{FF2B5EF4-FFF2-40B4-BE49-F238E27FC236}">
+                <a16:creationId xmlns:a16="http://schemas.microsoft.com/office/drawing/2014/main" id="{5AD1DDAA-9B7C-42C7-A582-0A5FCADE242E}"/>
+              </a:ext>
+            </a:extLst>
+          </p:cNvPr>
+          <p:cNvSpPr/>
+          <p:nvPr/>
+        </p:nvSpPr>
+        <p:spPr>
+          <a:xfrm>
+            <a:off x="6700507" y="2294112"/>
+            <a:ext cx="714375" cy="374970"/>
+          </a:xfrm>
+          <a:prstGeom prst="rightArrow">
+            <a:avLst/>
+          </a:prstGeom>
+        </p:spPr>
+        <p:style>
+          <a:lnRef idx="1">
+            <a:schemeClr val="accent4"/>
+          </a:lnRef>
+          <a:fillRef idx="3">
+            <a:schemeClr val="accent4"/>
+          </a:fillRef>
+          <a:effectRef idx="2">
+            <a:schemeClr val="accent4"/>
+          </a:effectRef>
+          <a:fontRef idx="minor">
+            <a:schemeClr val="lt1"/>
+          </a:fontRef>
+        </p:style>
+        <p:txBody>
+          <a:bodyPr rtlCol="0" anchor="ctr"/>
+          <a:lstStyle/>
+          <a:p>
+            <a:pPr algn="ctr"/>
+            <a:endParaRPr lang="en-US"/>
+          </a:p>
+        </p:txBody>
+      </p:sp>
+      <p:sp>
+        <p:nvSpPr>
+          <p:cNvPr id="14" name="Prostokąt zaokrąglony 7">
+            <a:extLst>
+              <a:ext uri="{FF2B5EF4-FFF2-40B4-BE49-F238E27FC236}">
+                <a16:creationId xmlns:a16="http://schemas.microsoft.com/office/drawing/2014/main" id="{71BA1B26-67CF-4C78-A160-F33A2860C045}"/>
+              </a:ext>
+            </a:extLst>
+          </p:cNvPr>
+          <p:cNvSpPr/>
+          <p:nvPr/>
+        </p:nvSpPr>
+        <p:spPr>
+          <a:xfrm rot="16200000">
+            <a:off x="8843874" y="1774417"/>
+            <a:ext cx="2157759" cy="1414360"/>
+          </a:xfrm>
+          <a:prstGeom prst="roundRect">
+            <a:avLst/>
+          </a:prstGeom>
+        </p:spPr>
+        <p:style>
+          <a:lnRef idx="1">
+            <a:schemeClr val="accent4"/>
+          </a:lnRef>
+          <a:fillRef idx="3">
+            <a:schemeClr val="accent4"/>
+          </a:fillRef>
+          <a:effectRef idx="2">
+            <a:schemeClr val="accent4"/>
+          </a:effectRef>
+          <a:fontRef idx="minor">
+            <a:schemeClr val="lt1"/>
+          </a:fontRef>
+        </p:style>
+        <p:txBody>
+          <a:bodyPr rtlCol="0" anchor="ctr"/>
+          <a:lstStyle/>
+          <a:p>
+            <a:pPr algn="ctr"/>
+            <a:r>
+              <a:rPr lang="pl-PL" sz="2800" dirty="0" err="1">
+                <a:latin typeface="Arial Black" panose="020B0A04020102020204" pitchFamily="34" charset="0"/>
+              </a:rPr>
+              <a:t>Orders</a:t>
+            </a:r>
+            <a:endParaRPr lang="en-US" sz="2800" dirty="0">
+              <a:latin typeface="Arial Black" panose="020B0A04020102020204" pitchFamily="34" charset="0"/>
+            </a:endParaRPr>
+          </a:p>
+        </p:txBody>
+      </p:sp>
+      <p:sp>
+        <p:nvSpPr>
+          <p:cNvPr id="19" name="Strzałka w prawo 7">
+            <a:extLst>
+              <a:ext uri="{FF2B5EF4-FFF2-40B4-BE49-F238E27FC236}">
+                <a16:creationId xmlns:a16="http://schemas.microsoft.com/office/drawing/2014/main" id="{20A97452-F6A9-4ABA-88A7-5B40A8AA3B51}"/>
+              </a:ext>
+            </a:extLst>
+          </p:cNvPr>
+          <p:cNvSpPr/>
+          <p:nvPr/>
+        </p:nvSpPr>
+        <p:spPr>
+          <a:xfrm rot="5400000">
+            <a:off x="9565565" y="4019812"/>
+            <a:ext cx="714375" cy="374970"/>
+          </a:xfrm>
+          <a:prstGeom prst="rightArrow">
+            <a:avLst/>
+          </a:prstGeom>
+        </p:spPr>
+        <p:style>
+          <a:lnRef idx="1">
+            <a:schemeClr val="accent4"/>
+          </a:lnRef>
+          <a:fillRef idx="3">
+            <a:schemeClr val="accent4"/>
+          </a:fillRef>
+          <a:effectRef idx="2">
+            <a:schemeClr val="accent4"/>
+          </a:effectRef>
+          <a:fontRef idx="minor">
+            <a:schemeClr val="lt1"/>
+          </a:fontRef>
+        </p:style>
+        <p:txBody>
+          <a:bodyPr rtlCol="0" anchor="ctr"/>
+          <a:lstStyle/>
+          <a:p>
+            <a:pPr algn="ctr"/>
+            <a:endParaRPr lang="en-US"/>
+          </a:p>
+        </p:txBody>
+      </p:sp>
+      <p:pic>
+        <p:nvPicPr>
+          <p:cNvPr id="17" name="Obraz 16" descr="Obraz zawierający budynek, rysunek, zegar&#10;&#10;Opis wygenerowany automatycznie">
+            <a:extLst>
+              <a:ext uri="{FF2B5EF4-FFF2-40B4-BE49-F238E27FC236}">
+                <a16:creationId xmlns:a16="http://schemas.microsoft.com/office/drawing/2014/main" id="{F9AB2707-456D-4784-897B-59B21D904627}"/>
+              </a:ext>
+            </a:extLst>
+          </p:cNvPr>
+          <p:cNvPicPr>
+            <a:picLocks noChangeAspect="1"/>
+          </p:cNvPicPr>
+          <p:nvPr/>
+        </p:nvPicPr>
+        <p:blipFill>
+          <a:blip r:embed="rId2" cstate="print">
+            <a:extLst>
+              <a:ext uri="{28A0092B-C50C-407E-A947-70E740481C1C}">
+                <a14:useLocalDpi xmlns:a14="http://schemas.microsoft.com/office/drawing/2010/main" val="0"/>
+              </a:ext>
+            </a:extLst>
+          </a:blip>
+          <a:stretch>
+            <a:fillRect/>
+          </a:stretch>
+        </p:blipFill>
+        <p:spPr>
+          <a:xfrm>
+            <a:off x="9135352" y="4628319"/>
+            <a:ext cx="1574800" cy="1574800"/>
+          </a:xfrm>
+          <a:prstGeom prst="rect">
+            <a:avLst/>
+          </a:prstGeom>
+        </p:spPr>
+      </p:pic>
+      <p:pic>
+        <p:nvPicPr>
+          <p:cNvPr id="20" name="Obraz 19">
+            <a:extLst>
+              <a:ext uri="{FF2B5EF4-FFF2-40B4-BE49-F238E27FC236}">
+                <a16:creationId xmlns:a16="http://schemas.microsoft.com/office/drawing/2014/main" id="{C2CAF040-4A00-410A-AA57-7BB5C5F63E0F}"/>
+              </a:ext>
+            </a:extLst>
+          </p:cNvPr>
+          <p:cNvPicPr>
+            <a:picLocks noChangeAspect="1"/>
+          </p:cNvPicPr>
+          <p:nvPr/>
+        </p:nvPicPr>
+        <p:blipFill>
+          <a:blip r:embed="rId3" cstate="print">
+            <a:extLst>
+              <a:ext uri="{28A0092B-C50C-407E-A947-70E740481C1C}">
+                <a14:useLocalDpi xmlns:a14="http://schemas.microsoft.com/office/drawing/2010/main" val="0"/>
+              </a:ext>
+            </a:extLst>
+          </a:blip>
+          <a:srcRect/>
+          <a:stretch/>
+        </p:blipFill>
+        <p:spPr>
+          <a:xfrm>
+            <a:off x="7358277" y="1635352"/>
+            <a:ext cx="1657274" cy="1657274"/>
+          </a:xfrm>
+          <a:prstGeom prst="rect">
+            <a:avLst/>
+          </a:prstGeom>
+        </p:spPr>
+      </p:pic>
+      <p:sp>
+        <p:nvSpPr>
+          <p:cNvPr id="26" name="pole tekstowe 25">
+            <a:extLst>
+              <a:ext uri="{FF2B5EF4-FFF2-40B4-BE49-F238E27FC236}">
+                <a16:creationId xmlns:a16="http://schemas.microsoft.com/office/drawing/2014/main" id="{B3DF9FB2-65AB-4682-A8F0-F1D1EB6CEE2C}"/>
+              </a:ext>
+            </a:extLst>
+          </p:cNvPr>
+          <p:cNvSpPr txBox="1"/>
+          <p:nvPr/>
+        </p:nvSpPr>
+        <p:spPr>
+          <a:xfrm>
+            <a:off x="7106817" y="3234812"/>
+            <a:ext cx="2247334" cy="954107"/>
+          </a:xfrm>
+          <a:prstGeom prst="rect">
+            <a:avLst/>
+          </a:prstGeom>
+          <a:noFill/>
+        </p:spPr>
+        <p:txBody>
+          <a:bodyPr wrap="square" rtlCol="0">
+            <a:spAutoFit/>
+          </a:bodyPr>
+          <a:lstStyle/>
+          <a:p>
+            <a:pPr algn="ctr"/>
+            <a:r>
+              <a:rPr lang="pl-PL" sz="2800" b="1" dirty="0" err="1">
+                <a:solidFill>
+                  <a:schemeClr val="bg1"/>
+                </a:solidFill>
+              </a:rPr>
+              <a:t>Submit</a:t>
+            </a:r>
+            <a:endParaRPr lang="pl-PL" sz="2800" b="1" dirty="0">
+              <a:solidFill>
+                <a:schemeClr val="bg1"/>
+              </a:solidFill>
+            </a:endParaRPr>
+          </a:p>
+          <a:p>
+            <a:pPr algn="ctr"/>
+            <a:r>
+              <a:rPr lang="pl-PL" sz="2800" b="1" dirty="0" err="1">
+                <a:solidFill>
+                  <a:schemeClr val="bg1"/>
+                </a:solidFill>
+              </a:rPr>
+              <a:t>AddItem</a:t>
+            </a:r>
+            <a:endParaRPr lang="pl-PL" sz="2800" b="1" dirty="0">
+              <a:solidFill>
+                <a:schemeClr val="bg1"/>
+              </a:solidFill>
+            </a:endParaRPr>
+          </a:p>
+        </p:txBody>
+      </p:sp>
+      <p:sp>
+        <p:nvSpPr>
+          <p:cNvPr id="29" name="Strzałka w prawo 7">
+            <a:extLst>
+              <a:ext uri="{FF2B5EF4-FFF2-40B4-BE49-F238E27FC236}">
+                <a16:creationId xmlns:a16="http://schemas.microsoft.com/office/drawing/2014/main" id="{27C9497A-5C78-416B-A792-810F20497E5C}"/>
+              </a:ext>
+            </a:extLst>
+          </p:cNvPr>
+          <p:cNvSpPr/>
+          <p:nvPr/>
+        </p:nvSpPr>
+        <p:spPr>
+          <a:xfrm>
+            <a:off x="2588995" y="2360441"/>
+            <a:ext cx="2198287" cy="374970"/>
+          </a:xfrm>
+          <a:prstGeom prst="rightArrow">
+            <a:avLst/>
+          </a:prstGeom>
+        </p:spPr>
+        <p:style>
+          <a:lnRef idx="1">
+            <a:schemeClr val="accent4"/>
+          </a:lnRef>
+          <a:fillRef idx="3">
+            <a:schemeClr val="accent4"/>
+          </a:fillRef>
+          <a:effectRef idx="2">
+            <a:schemeClr val="accent4"/>
+          </a:effectRef>
+          <a:fontRef idx="minor">
+            <a:schemeClr val="lt1"/>
+          </a:fontRef>
+        </p:style>
+        <p:txBody>
+          <a:bodyPr rtlCol="0" anchor="ctr"/>
+          <a:lstStyle/>
+          <a:p>
+            <a:pPr algn="ctr"/>
+            <a:endParaRPr lang="en-US"/>
+          </a:p>
+        </p:txBody>
+      </p:sp>
+      <p:sp>
+        <p:nvSpPr>
+          <p:cNvPr id="30" name="Strzałka w prawo 7">
+            <a:extLst>
+              <a:ext uri="{FF2B5EF4-FFF2-40B4-BE49-F238E27FC236}">
+                <a16:creationId xmlns:a16="http://schemas.microsoft.com/office/drawing/2014/main" id="{18817FCA-6CF3-4286-900C-042441FB31EE}"/>
+              </a:ext>
+            </a:extLst>
+          </p:cNvPr>
+          <p:cNvSpPr/>
+          <p:nvPr/>
+        </p:nvSpPr>
+        <p:spPr>
+          <a:xfrm rot="10800000">
+            <a:off x="2588995" y="2921620"/>
+            <a:ext cx="2198287" cy="374970"/>
+          </a:xfrm>
+          <a:prstGeom prst="rightArrow">
+            <a:avLst/>
+          </a:prstGeom>
+        </p:spPr>
+        <p:style>
+          <a:lnRef idx="1">
+            <a:schemeClr val="accent4"/>
+          </a:lnRef>
+          <a:fillRef idx="3">
+            <a:schemeClr val="accent4"/>
+          </a:fillRef>
+          <a:effectRef idx="2">
+            <a:schemeClr val="accent4"/>
+          </a:effectRef>
+          <a:fontRef idx="minor">
+            <a:schemeClr val="lt1"/>
+          </a:fontRef>
+        </p:style>
+        <p:txBody>
+          <a:bodyPr rtlCol="0" anchor="ctr"/>
+          <a:lstStyle/>
+          <a:p>
+            <a:pPr algn="ctr"/>
+            <a:endParaRPr lang="en-US"/>
+          </a:p>
+        </p:txBody>
+      </p:sp>
+      <p:sp>
+        <p:nvSpPr>
+          <p:cNvPr id="31" name="pole tekstowe 30">
+            <a:extLst>
+              <a:ext uri="{FF2B5EF4-FFF2-40B4-BE49-F238E27FC236}">
+                <a16:creationId xmlns:a16="http://schemas.microsoft.com/office/drawing/2014/main" id="{564231D3-6748-4D8E-9337-8B0CAB5744A6}"/>
+              </a:ext>
+            </a:extLst>
+          </p:cNvPr>
+          <p:cNvSpPr txBox="1"/>
+          <p:nvPr/>
+        </p:nvSpPr>
+        <p:spPr>
+          <a:xfrm>
+            <a:off x="2583466" y="1912622"/>
+            <a:ext cx="2247334" cy="523220"/>
+          </a:xfrm>
+          <a:prstGeom prst="rect">
+            <a:avLst/>
+          </a:prstGeom>
+          <a:noFill/>
+        </p:spPr>
+        <p:txBody>
+          <a:bodyPr wrap="square" rtlCol="0">
+            <a:spAutoFit/>
+          </a:bodyPr>
+          <a:lstStyle/>
+          <a:p>
+            <a:pPr algn="ctr"/>
+            <a:r>
+              <a:rPr lang="pl-PL" sz="2800" b="1" dirty="0">
+                <a:solidFill>
+                  <a:schemeClr val="bg1"/>
+                </a:solidFill>
+              </a:rPr>
+              <a:t>HTTP</a:t>
+            </a:r>
+          </a:p>
+        </p:txBody>
+      </p:sp>
+      <p:sp>
+        <p:nvSpPr>
+          <p:cNvPr id="33" name="Prostokąt: zaokrąglone rogi 32">
+            <a:extLst>
+              <a:ext uri="{FF2B5EF4-FFF2-40B4-BE49-F238E27FC236}">
+                <a16:creationId xmlns:a16="http://schemas.microsoft.com/office/drawing/2014/main" id="{17CAC5E1-2131-4ABF-8666-1AD45C40C0E0}"/>
+              </a:ext>
+            </a:extLst>
+          </p:cNvPr>
+          <p:cNvSpPr/>
+          <p:nvPr/>
+        </p:nvSpPr>
+        <p:spPr>
+          <a:xfrm>
+            <a:off x="592228" y="593342"/>
+            <a:ext cx="10498759" cy="5934269"/>
+          </a:xfrm>
+          <a:prstGeom prst="roundRect">
+            <a:avLst>
+              <a:gd name="adj" fmla="val 6211"/>
+            </a:avLst>
+          </a:prstGeom>
+          <a:noFill/>
+          <a:ln w="76200">
+            <a:solidFill>
+              <a:schemeClr val="bg1"/>
+            </a:solidFill>
+          </a:ln>
+        </p:spPr>
+        <p:style>
+          <a:lnRef idx="2">
+            <a:schemeClr val="accent1">
+              <a:shade val="50000"/>
+            </a:schemeClr>
+          </a:lnRef>
+          <a:fillRef idx="1">
+            <a:schemeClr val="accent1"/>
+          </a:fillRef>
+          <a:effectRef idx="0">
+            <a:schemeClr val="accent1"/>
+          </a:effectRef>
+          <a:fontRef idx="minor">
+            <a:schemeClr val="lt1"/>
+          </a:fontRef>
+        </p:style>
+        <p:txBody>
+          <a:bodyPr rtlCol="0" anchor="t"/>
+          <a:lstStyle/>
+          <a:p>
+            <a:pPr algn="ctr"/>
+            <a:endParaRPr lang="en-US" sz="2800" b="1" dirty="0">
+              <a:latin typeface="Arial Black" panose="020B0A04020102020204" pitchFamily="34" charset="0"/>
+            </a:endParaRPr>
+          </a:p>
+        </p:txBody>
+      </p:sp>
+      <p:sp>
+        <p:nvSpPr>
+          <p:cNvPr id="34" name="pole tekstowe 33">
+            <a:extLst>
+              <a:ext uri="{FF2B5EF4-FFF2-40B4-BE49-F238E27FC236}">
+                <a16:creationId xmlns:a16="http://schemas.microsoft.com/office/drawing/2014/main" id="{6F37B72E-BEF7-449B-9138-A18AD8B7F67C}"/>
+              </a:ext>
+            </a:extLst>
+          </p:cNvPr>
+          <p:cNvSpPr txBox="1"/>
+          <p:nvPr/>
+        </p:nvSpPr>
+        <p:spPr>
+          <a:xfrm>
+            <a:off x="2539948" y="3373055"/>
+            <a:ext cx="2247334" cy="954107"/>
+          </a:xfrm>
+          <a:prstGeom prst="rect">
+            <a:avLst/>
+          </a:prstGeom>
+          <a:noFill/>
+        </p:spPr>
+        <p:txBody>
+          <a:bodyPr wrap="square" rtlCol="0">
+            <a:spAutoFit/>
+          </a:bodyPr>
+          <a:lstStyle/>
+          <a:p>
+            <a:pPr algn="ctr"/>
+            <a:r>
+              <a:rPr lang="pl-PL" sz="2800" b="1" dirty="0" err="1">
+                <a:solidFill>
+                  <a:schemeClr val="bg1"/>
+                </a:solidFill>
+              </a:rPr>
+              <a:t>Submit</a:t>
+            </a:r>
+            <a:endParaRPr lang="pl-PL" sz="2800" b="1" dirty="0">
+              <a:solidFill>
+                <a:schemeClr val="bg1"/>
+              </a:solidFill>
+            </a:endParaRPr>
+          </a:p>
+          <a:p>
+            <a:pPr algn="ctr"/>
+            <a:r>
+              <a:rPr lang="pl-PL" sz="2800" b="1" dirty="0" err="1">
+                <a:solidFill>
+                  <a:schemeClr val="bg1"/>
+                </a:solidFill>
+              </a:rPr>
+              <a:t>AddItem</a:t>
+            </a:r>
+            <a:endParaRPr lang="pl-PL" sz="2800" b="1" dirty="0">
+              <a:solidFill>
+                <a:schemeClr val="bg1"/>
+              </a:solidFill>
+            </a:endParaRPr>
+          </a:p>
+        </p:txBody>
+      </p:sp>
+    </p:spTree>
+    <p:extLst>
+      <p:ext uri="{BB962C8B-B14F-4D97-AF65-F5344CB8AC3E}">
+        <p14:creationId xmlns:p14="http://schemas.microsoft.com/office/powerpoint/2010/main" val="1104963673"/>
+      </p:ext>
+    </p:extLst>
+  </p:cSld>
+  <p:clrMapOvr>
+    <a:masterClrMapping/>
+  </p:clrMapOvr>
+</p:sld>
+</file>
+
+<file path=ppt/slides/slide14.xml><?xml version="1.0" encoding="utf-8"?>
+<p:sld xmlns:a="http://schemas.openxmlformats.org/drawingml/2006/main" xmlns:r="http://schemas.openxmlformats.org/officeDocument/2006/relationships" xmlns:p="http://schemas.openxmlformats.org/presentationml/2006/main">
+  <p:cSld>
+    <p:spTree>
+      <p:nvGrpSpPr>
+        <p:cNvPr id="1" name=""/>
+        <p:cNvGrpSpPr/>
+        <p:nvPr/>
+      </p:nvGrpSpPr>
+      <p:grpSpPr>
+        <a:xfrm>
+          <a:off x="0" y="0"/>
+          <a:ext cx="0" cy="0"/>
+          <a:chOff x="0" y="0"/>
+          <a:chExt cx="0" cy="0"/>
+        </a:xfrm>
+      </p:grpSpPr>
+      <p:sp>
+        <p:nvSpPr>
+          <p:cNvPr id="20" name="Prostokąt: zaokrąglone rogi 19">
+            <a:extLst>
+              <a:ext uri="{FF2B5EF4-FFF2-40B4-BE49-F238E27FC236}">
+                <a16:creationId xmlns:a16="http://schemas.microsoft.com/office/drawing/2014/main" id="{DE9B1241-AE5C-42B3-881C-09BA015E578C}"/>
+              </a:ext>
+            </a:extLst>
+          </p:cNvPr>
+          <p:cNvSpPr/>
+          <p:nvPr/>
+        </p:nvSpPr>
+        <p:spPr>
+          <a:xfrm>
+            <a:off x="7041502" y="593342"/>
+            <a:ext cx="4049486" cy="5934269"/>
+          </a:xfrm>
+          <a:prstGeom prst="roundRect">
+            <a:avLst>
+              <a:gd name="adj" fmla="val 6211"/>
+            </a:avLst>
+          </a:prstGeom>
+          <a:noFill/>
+          <a:ln w="76200">
+            <a:solidFill>
+              <a:schemeClr val="bg1"/>
+            </a:solidFill>
+          </a:ln>
+        </p:spPr>
+        <p:style>
+          <a:lnRef idx="2">
+            <a:schemeClr val="accent1">
+              <a:shade val="50000"/>
+            </a:schemeClr>
+          </a:lnRef>
+          <a:fillRef idx="1">
+            <a:schemeClr val="accent1"/>
+          </a:fillRef>
+          <a:effectRef idx="0">
+            <a:schemeClr val="accent1"/>
+          </a:effectRef>
+          <a:fontRef idx="minor">
+            <a:schemeClr val="lt1"/>
+          </a:fontRef>
+        </p:style>
+        <p:txBody>
+          <a:bodyPr rtlCol="0" anchor="t"/>
+          <a:lstStyle/>
+          <a:p>
+            <a:pPr algn="ctr"/>
+            <a:r>
+              <a:rPr lang="pl-PL" sz="3200" b="1" dirty="0" err="1">
+                <a:latin typeface="Arial Black" panose="020B0A04020102020204" pitchFamily="34" charset="0"/>
+              </a:rPr>
+              <a:t>Async</a:t>
+            </a:r>
+            <a:endParaRPr lang="en-US" sz="2800" b="1" dirty="0">
+              <a:latin typeface="Arial Black" panose="020B0A04020102020204" pitchFamily="34" charset="0"/>
+            </a:endParaRPr>
+          </a:p>
+        </p:txBody>
+      </p:sp>
+      <p:sp>
+        <p:nvSpPr>
+          <p:cNvPr id="3" name="Prostokąt: zaokrąglone rogi 2">
+            <a:extLst>
+              <a:ext uri="{FF2B5EF4-FFF2-40B4-BE49-F238E27FC236}">
+                <a16:creationId xmlns:a16="http://schemas.microsoft.com/office/drawing/2014/main" id="{552BDC66-6D7D-4965-B50B-E7B5DFC3DE59}"/>
+              </a:ext>
+            </a:extLst>
+          </p:cNvPr>
+          <p:cNvSpPr/>
+          <p:nvPr/>
+        </p:nvSpPr>
+        <p:spPr>
+          <a:xfrm>
+            <a:off x="592229" y="593342"/>
+            <a:ext cx="6249252" cy="5934269"/>
+          </a:xfrm>
+          <a:prstGeom prst="roundRect">
+            <a:avLst>
+              <a:gd name="adj" fmla="val 6211"/>
+            </a:avLst>
+          </a:prstGeom>
+          <a:noFill/>
+          <a:ln w="76200">
+            <a:solidFill>
+              <a:schemeClr val="bg1"/>
+            </a:solidFill>
+          </a:ln>
+        </p:spPr>
+        <p:style>
+          <a:lnRef idx="2">
+            <a:schemeClr val="accent1">
+              <a:shade val="50000"/>
+            </a:schemeClr>
+          </a:lnRef>
+          <a:fillRef idx="1">
+            <a:schemeClr val="accent1"/>
+          </a:fillRef>
+          <a:effectRef idx="0">
+            <a:schemeClr val="accent1"/>
+          </a:effectRef>
+          <a:fontRef idx="minor">
+            <a:schemeClr val="lt1"/>
+          </a:fontRef>
+        </p:style>
+        <p:txBody>
+          <a:bodyPr rtlCol="0" anchor="t"/>
+          <a:lstStyle/>
+          <a:p>
+            <a:pPr algn="ctr"/>
+            <a:r>
+              <a:rPr lang="pl-PL" sz="3200" b="1" dirty="0" err="1">
+                <a:latin typeface="Arial Black" panose="020B0A04020102020204" pitchFamily="34" charset="0"/>
+              </a:rPr>
+              <a:t>Sync</a:t>
+            </a:r>
+            <a:endParaRPr lang="en-US" sz="2800" b="1" dirty="0">
+              <a:latin typeface="Arial Black" panose="020B0A04020102020204" pitchFamily="34" charset="0"/>
+            </a:endParaRPr>
+          </a:p>
+        </p:txBody>
+      </p:sp>
+      <p:sp>
+        <p:nvSpPr>
+          <p:cNvPr id="7" name="Strzałka w prawo 7">
+            <a:extLst>
+              <a:ext uri="{FF2B5EF4-FFF2-40B4-BE49-F238E27FC236}">
+                <a16:creationId xmlns:a16="http://schemas.microsoft.com/office/drawing/2014/main" id="{48212CC0-42A7-4514-9BF7-2BC7A917F2E9}"/>
+              </a:ext>
+            </a:extLst>
+          </p:cNvPr>
+          <p:cNvSpPr/>
+          <p:nvPr/>
+        </p:nvSpPr>
+        <p:spPr>
+          <a:xfrm>
+            <a:off x="2588995" y="2360441"/>
+            <a:ext cx="2198287" cy="374970"/>
+          </a:xfrm>
+          <a:prstGeom prst="rightArrow">
+            <a:avLst/>
+          </a:prstGeom>
+        </p:spPr>
+        <p:style>
+          <a:lnRef idx="1">
+            <a:schemeClr val="accent4"/>
+          </a:lnRef>
+          <a:fillRef idx="3">
+            <a:schemeClr val="accent4"/>
+          </a:fillRef>
+          <a:effectRef idx="2">
+            <a:schemeClr val="accent4"/>
+          </a:effectRef>
+          <a:fontRef idx="minor">
+            <a:schemeClr val="lt1"/>
+          </a:fontRef>
+        </p:style>
+        <p:txBody>
+          <a:bodyPr rtlCol="0" anchor="ctr"/>
+          <a:lstStyle/>
+          <a:p>
+            <a:pPr algn="ctr"/>
+            <a:endParaRPr lang="en-US"/>
+          </a:p>
+        </p:txBody>
+      </p:sp>
+      <p:sp>
+        <p:nvSpPr>
+          <p:cNvPr id="11" name="Prostokąt zaokrąglony 7">
+            <a:extLst>
+              <a:ext uri="{FF2B5EF4-FFF2-40B4-BE49-F238E27FC236}">
+                <a16:creationId xmlns:a16="http://schemas.microsoft.com/office/drawing/2014/main" id="{4AC9B384-EA0B-4550-8356-288F79BF69C8}"/>
+              </a:ext>
+            </a:extLst>
+          </p:cNvPr>
+          <p:cNvSpPr/>
+          <p:nvPr/>
+        </p:nvSpPr>
+        <p:spPr>
+          <a:xfrm rot="16200000">
+            <a:off x="4665016" y="1774417"/>
+            <a:ext cx="2157760" cy="1414360"/>
+          </a:xfrm>
+          <a:prstGeom prst="roundRect">
+            <a:avLst/>
+          </a:prstGeom>
+        </p:spPr>
+        <p:style>
+          <a:lnRef idx="1">
+            <a:schemeClr val="accent6"/>
+          </a:lnRef>
+          <a:fillRef idx="3">
+            <a:schemeClr val="accent6"/>
+          </a:fillRef>
+          <a:effectRef idx="2">
+            <a:schemeClr val="accent6"/>
+          </a:effectRef>
+          <a:fontRef idx="minor">
+            <a:schemeClr val="lt1"/>
+          </a:fontRef>
+        </p:style>
+        <p:txBody>
+          <a:bodyPr rtlCol="0" anchor="ctr"/>
+          <a:lstStyle/>
+          <a:p>
+            <a:pPr algn="ctr"/>
+            <a:r>
+              <a:rPr lang="pl-PL" sz="2800" dirty="0" err="1">
+                <a:latin typeface="Arial Black" panose="020B0A04020102020204" pitchFamily="34" charset="0"/>
+              </a:rPr>
+              <a:t>Frontend</a:t>
+            </a:r>
+            <a:endParaRPr lang="en-US" sz="2800" dirty="0">
+              <a:latin typeface="Arial Black" panose="020B0A04020102020204" pitchFamily="34" charset="0"/>
+            </a:endParaRPr>
+          </a:p>
+        </p:txBody>
+      </p:sp>
+      <p:pic>
+        <p:nvPicPr>
+          <p:cNvPr id="12" name="Obraz 11">
+            <a:extLst>
+              <a:ext uri="{FF2B5EF4-FFF2-40B4-BE49-F238E27FC236}">
+                <a16:creationId xmlns:a16="http://schemas.microsoft.com/office/drawing/2014/main" id="{09F57FD9-7033-4C1E-AA07-E5FEFB400ADD}"/>
+              </a:ext>
+            </a:extLst>
+          </p:cNvPr>
+          <p:cNvPicPr>
+            <a:picLocks noChangeAspect="1"/>
+          </p:cNvPicPr>
+          <p:nvPr/>
+        </p:nvPicPr>
+        <p:blipFill>
+          <a:blip r:embed="rId2" cstate="print">
+            <a:extLst>
+              <a:ext uri="{28A0092B-C50C-407E-A947-70E740481C1C}">
+                <a14:useLocalDpi xmlns:a14="http://schemas.microsoft.com/office/drawing/2010/main" val="0"/>
+              </a:ext>
+            </a:extLst>
+          </a:blip>
+          <a:srcRect/>
+          <a:stretch/>
+        </p:blipFill>
+        <p:spPr>
+          <a:xfrm>
+            <a:off x="7358277" y="1635352"/>
+            <a:ext cx="1657274" cy="1657274"/>
+          </a:xfrm>
+          <a:prstGeom prst="rect">
+            <a:avLst/>
+          </a:prstGeom>
+        </p:spPr>
+      </p:pic>
+      <p:sp>
+        <p:nvSpPr>
+          <p:cNvPr id="13" name="Strzałka w prawo 7">
+            <a:extLst>
+              <a:ext uri="{FF2B5EF4-FFF2-40B4-BE49-F238E27FC236}">
+                <a16:creationId xmlns:a16="http://schemas.microsoft.com/office/drawing/2014/main" id="{5AD1DDAA-9B7C-42C7-A582-0A5FCADE242E}"/>
+              </a:ext>
+            </a:extLst>
+          </p:cNvPr>
+          <p:cNvSpPr/>
+          <p:nvPr/>
+        </p:nvSpPr>
+        <p:spPr>
+          <a:xfrm>
+            <a:off x="6700507" y="2294112"/>
+            <a:ext cx="714375" cy="374970"/>
+          </a:xfrm>
+          <a:prstGeom prst="rightArrow">
+            <a:avLst/>
+          </a:prstGeom>
+        </p:spPr>
+        <p:style>
+          <a:lnRef idx="1">
+            <a:schemeClr val="accent4"/>
+          </a:lnRef>
+          <a:fillRef idx="3">
+            <a:schemeClr val="accent4"/>
+          </a:fillRef>
+          <a:effectRef idx="2">
+            <a:schemeClr val="accent4"/>
+          </a:effectRef>
+          <a:fontRef idx="minor">
+            <a:schemeClr val="lt1"/>
+          </a:fontRef>
+        </p:style>
+        <p:txBody>
+          <a:bodyPr rtlCol="0" anchor="ctr"/>
+          <a:lstStyle/>
+          <a:p>
+            <a:pPr algn="ctr"/>
+            <a:endParaRPr lang="en-US"/>
+          </a:p>
+        </p:txBody>
+      </p:sp>
+      <p:sp>
+        <p:nvSpPr>
+          <p:cNvPr id="14" name="Prostokąt zaokrąglony 7">
+            <a:extLst>
+              <a:ext uri="{FF2B5EF4-FFF2-40B4-BE49-F238E27FC236}">
+                <a16:creationId xmlns:a16="http://schemas.microsoft.com/office/drawing/2014/main" id="{71BA1B26-67CF-4C78-A160-F33A2860C045}"/>
+              </a:ext>
+            </a:extLst>
+          </p:cNvPr>
+          <p:cNvSpPr/>
+          <p:nvPr/>
+        </p:nvSpPr>
+        <p:spPr>
+          <a:xfrm rot="16200000">
+            <a:off x="8843874" y="1774417"/>
+            <a:ext cx="2157759" cy="1414360"/>
+          </a:xfrm>
+          <a:prstGeom prst="roundRect">
+            <a:avLst/>
+          </a:prstGeom>
+        </p:spPr>
+        <p:style>
+          <a:lnRef idx="1">
+            <a:schemeClr val="accent4"/>
+          </a:lnRef>
+          <a:fillRef idx="3">
+            <a:schemeClr val="accent4"/>
+          </a:fillRef>
+          <a:effectRef idx="2">
+            <a:schemeClr val="accent4"/>
+          </a:effectRef>
+          <a:fontRef idx="minor">
+            <a:schemeClr val="lt1"/>
+          </a:fontRef>
+        </p:style>
+        <p:txBody>
+          <a:bodyPr rtlCol="0" anchor="ctr"/>
+          <a:lstStyle/>
+          <a:p>
+            <a:pPr algn="ctr"/>
+            <a:r>
+              <a:rPr lang="pl-PL" sz="2800" dirty="0" err="1">
+                <a:latin typeface="Arial Black" panose="020B0A04020102020204" pitchFamily="34" charset="0"/>
+              </a:rPr>
+              <a:t>Orders</a:t>
+            </a:r>
+            <a:endParaRPr lang="en-US" sz="2800" dirty="0">
+              <a:latin typeface="Arial Black" panose="020B0A04020102020204" pitchFamily="34" charset="0"/>
+            </a:endParaRPr>
+          </a:p>
+        </p:txBody>
+      </p:sp>
+      <p:pic>
+        <p:nvPicPr>
+          <p:cNvPr id="16" name="Obraz 15" descr="Obraz zawierający budynek, rysunek, zegar&#10;&#10;Opis wygenerowany automatycznie">
+            <a:extLst>
+              <a:ext uri="{FF2B5EF4-FFF2-40B4-BE49-F238E27FC236}">
+                <a16:creationId xmlns:a16="http://schemas.microsoft.com/office/drawing/2014/main" id="{455DF27E-90EA-4D92-AF0A-7540C982654A}"/>
+              </a:ext>
+            </a:extLst>
+          </p:cNvPr>
+          <p:cNvPicPr>
+            <a:picLocks noChangeAspect="1"/>
+          </p:cNvPicPr>
+          <p:nvPr/>
+        </p:nvPicPr>
+        <p:blipFill>
+          <a:blip r:embed="rId3" cstate="print">
+            <a:extLst>
+              <a:ext uri="{28A0092B-C50C-407E-A947-70E740481C1C}">
+                <a14:useLocalDpi xmlns:a14="http://schemas.microsoft.com/office/drawing/2010/main" val="0"/>
+              </a:ext>
+            </a:extLst>
+          </a:blip>
+          <a:stretch>
+            <a:fillRect/>
+          </a:stretch>
+        </p:blipFill>
+        <p:spPr>
+          <a:xfrm>
+            <a:off x="4956496" y="4628319"/>
+            <a:ext cx="1574800" cy="1574800"/>
+          </a:xfrm>
+          <a:prstGeom prst="rect">
+            <a:avLst/>
+          </a:prstGeom>
+        </p:spPr>
+      </p:pic>
+      <p:sp>
+        <p:nvSpPr>
+          <p:cNvPr id="19" name="Strzałka w prawo 7">
+            <a:extLst>
+              <a:ext uri="{FF2B5EF4-FFF2-40B4-BE49-F238E27FC236}">
+                <a16:creationId xmlns:a16="http://schemas.microsoft.com/office/drawing/2014/main" id="{20A97452-F6A9-4ABA-88A7-5B40A8AA3B51}"/>
+              </a:ext>
+            </a:extLst>
+          </p:cNvPr>
+          <p:cNvSpPr/>
+          <p:nvPr/>
+        </p:nvSpPr>
+        <p:spPr>
+          <a:xfrm rot="5400000">
+            <a:off x="9565565" y="4019812"/>
+            <a:ext cx="714375" cy="374970"/>
+          </a:xfrm>
+          <a:prstGeom prst="rightArrow">
+            <a:avLst/>
+          </a:prstGeom>
+        </p:spPr>
+        <p:style>
+          <a:lnRef idx="1">
+            <a:schemeClr val="accent4"/>
+          </a:lnRef>
+          <a:fillRef idx="3">
+            <a:schemeClr val="accent4"/>
+          </a:fillRef>
+          <a:effectRef idx="2">
+            <a:schemeClr val="accent4"/>
+          </a:effectRef>
+          <a:fontRef idx="minor">
+            <a:schemeClr val="lt1"/>
+          </a:fontRef>
+        </p:style>
+        <p:txBody>
+          <a:bodyPr rtlCol="0" anchor="ctr"/>
+          <a:lstStyle/>
+          <a:p>
+            <a:pPr algn="ctr"/>
+            <a:endParaRPr lang="en-US"/>
+          </a:p>
+        </p:txBody>
+      </p:sp>
+      <p:sp>
+        <p:nvSpPr>
+          <p:cNvPr id="24" name="Strzałka w prawo 7">
+            <a:extLst>
+              <a:ext uri="{FF2B5EF4-FFF2-40B4-BE49-F238E27FC236}">
+                <a16:creationId xmlns:a16="http://schemas.microsoft.com/office/drawing/2014/main" id="{8DF12348-4045-486E-A6FC-B04AEAA70572}"/>
+              </a:ext>
+            </a:extLst>
+          </p:cNvPr>
+          <p:cNvSpPr/>
+          <p:nvPr/>
+        </p:nvSpPr>
+        <p:spPr>
+          <a:xfrm rot="10800000">
+            <a:off x="2588995" y="2921620"/>
+            <a:ext cx="2198287" cy="374970"/>
+          </a:xfrm>
+          <a:prstGeom prst="rightArrow">
+            <a:avLst/>
+          </a:prstGeom>
+        </p:spPr>
+        <p:style>
+          <a:lnRef idx="1">
+            <a:schemeClr val="accent4"/>
+          </a:lnRef>
+          <a:fillRef idx="3">
+            <a:schemeClr val="accent4"/>
+          </a:fillRef>
+          <a:effectRef idx="2">
+            <a:schemeClr val="accent4"/>
+          </a:effectRef>
+          <a:fontRef idx="minor">
+            <a:schemeClr val="lt1"/>
+          </a:fontRef>
+        </p:style>
+        <p:txBody>
+          <a:bodyPr rtlCol="0" anchor="ctr"/>
+          <a:lstStyle/>
+          <a:p>
+            <a:pPr algn="ctr"/>
+            <a:endParaRPr lang="en-US"/>
+          </a:p>
+        </p:txBody>
+      </p:sp>
+      <p:sp>
+        <p:nvSpPr>
+          <p:cNvPr id="15" name="Strzałka w prawo 7">
+            <a:extLst>
+              <a:ext uri="{FF2B5EF4-FFF2-40B4-BE49-F238E27FC236}">
+                <a16:creationId xmlns:a16="http://schemas.microsoft.com/office/drawing/2014/main" id="{5D0A54E7-EEC9-4321-B330-61032CFB35EC}"/>
+              </a:ext>
+            </a:extLst>
+          </p:cNvPr>
+          <p:cNvSpPr/>
+          <p:nvPr/>
+        </p:nvSpPr>
+        <p:spPr>
+          <a:xfrm rot="5400000">
+            <a:off x="5386708" y="4019811"/>
+            <a:ext cx="714375" cy="374970"/>
+          </a:xfrm>
+          <a:prstGeom prst="rightArrow">
+            <a:avLst/>
+          </a:prstGeom>
+        </p:spPr>
+        <p:style>
+          <a:lnRef idx="1">
+            <a:schemeClr val="accent4"/>
+          </a:lnRef>
+          <a:fillRef idx="3">
+            <a:schemeClr val="accent4"/>
+          </a:fillRef>
+          <a:effectRef idx="2">
+            <a:schemeClr val="accent4"/>
+          </a:effectRef>
+          <a:fontRef idx="minor">
+            <a:schemeClr val="lt1"/>
+          </a:fontRef>
+        </p:style>
+        <p:txBody>
+          <a:bodyPr rtlCol="0" anchor="ctr"/>
+          <a:lstStyle/>
+          <a:p>
+            <a:pPr algn="ctr"/>
+            <a:endParaRPr lang="en-US"/>
+          </a:p>
+        </p:txBody>
+      </p:sp>
+      <p:pic>
+        <p:nvPicPr>
+          <p:cNvPr id="17" name="Obraz 16" descr="Obraz zawierający budynek, rysunek, zegar&#10;&#10;Opis wygenerowany automatycznie">
+            <a:extLst>
+              <a:ext uri="{FF2B5EF4-FFF2-40B4-BE49-F238E27FC236}">
+                <a16:creationId xmlns:a16="http://schemas.microsoft.com/office/drawing/2014/main" id="{F9AB2707-456D-4784-897B-59B21D904627}"/>
+              </a:ext>
+            </a:extLst>
+          </p:cNvPr>
+          <p:cNvPicPr>
+            <a:picLocks noChangeAspect="1"/>
+          </p:cNvPicPr>
+          <p:nvPr/>
+        </p:nvPicPr>
+        <p:blipFill>
+          <a:blip r:embed="rId3" cstate="print">
+            <a:extLst>
+              <a:ext uri="{28A0092B-C50C-407E-A947-70E740481C1C}">
+                <a14:useLocalDpi xmlns:a14="http://schemas.microsoft.com/office/drawing/2010/main" val="0"/>
+              </a:ext>
+            </a:extLst>
+          </a:blip>
+          <a:stretch>
+            <a:fillRect/>
+          </a:stretch>
+        </p:blipFill>
+        <p:spPr>
+          <a:xfrm>
+            <a:off x="9135352" y="4628319"/>
+            <a:ext cx="1574800" cy="1574800"/>
+          </a:xfrm>
+          <a:prstGeom prst="rect">
+            <a:avLst/>
+          </a:prstGeom>
+        </p:spPr>
+      </p:pic>
+      <p:sp>
+        <p:nvSpPr>
+          <p:cNvPr id="18" name="Prostokąt zaokrąglony 7">
+            <a:extLst>
+              <a:ext uri="{FF2B5EF4-FFF2-40B4-BE49-F238E27FC236}">
+                <a16:creationId xmlns:a16="http://schemas.microsoft.com/office/drawing/2014/main" id="{CD36DC5B-2EA4-493C-853F-984AB64F18D6}"/>
+              </a:ext>
+            </a:extLst>
+          </p:cNvPr>
+          <p:cNvSpPr/>
+          <p:nvPr/>
+        </p:nvSpPr>
+        <p:spPr>
+          <a:xfrm rot="16200000">
+            <a:off x="-835163" y="3095737"/>
+            <a:ext cx="4800404" cy="1414360"/>
+          </a:xfrm>
+          <a:prstGeom prst="roundRect">
+            <a:avLst/>
+          </a:prstGeom>
+        </p:spPr>
+        <p:style>
+          <a:lnRef idx="1">
+            <a:schemeClr val="accent2"/>
+          </a:lnRef>
+          <a:fillRef idx="3">
+            <a:schemeClr val="accent2"/>
+          </a:fillRef>
+          <a:effectRef idx="2">
+            <a:schemeClr val="accent2"/>
+          </a:effectRef>
+          <a:fontRef idx="minor">
+            <a:schemeClr val="lt1"/>
+          </a:fontRef>
+        </p:style>
+        <p:txBody>
+          <a:bodyPr vert="vert" rtlCol="0" anchor="ctr"/>
+          <a:lstStyle/>
+          <a:p>
+            <a:pPr algn="ctr"/>
+            <a:r>
+              <a:rPr lang="pl-PL" sz="2800" dirty="0">
+                <a:latin typeface="Arial Black" panose="020B0A04020102020204" pitchFamily="34" charset="0"/>
+              </a:rPr>
+              <a:t>UI</a:t>
+            </a:r>
+            <a:endParaRPr lang="en-US" sz="2800" dirty="0">
+              <a:latin typeface="Arial Black" panose="020B0A04020102020204" pitchFamily="34" charset="0"/>
+            </a:endParaRPr>
+          </a:p>
+        </p:txBody>
+      </p:sp>
+      <p:sp>
+        <p:nvSpPr>
+          <p:cNvPr id="21" name="pole tekstowe 20">
+            <a:extLst>
+              <a:ext uri="{FF2B5EF4-FFF2-40B4-BE49-F238E27FC236}">
+                <a16:creationId xmlns:a16="http://schemas.microsoft.com/office/drawing/2014/main" id="{D4E6DF19-BAE1-4EC4-B94A-92E47A503120}"/>
+              </a:ext>
+            </a:extLst>
+          </p:cNvPr>
+          <p:cNvSpPr txBox="1"/>
+          <p:nvPr/>
+        </p:nvSpPr>
+        <p:spPr>
+          <a:xfrm>
+            <a:off x="2583466" y="1912622"/>
+            <a:ext cx="2247334" cy="523220"/>
+          </a:xfrm>
+          <a:prstGeom prst="rect">
+            <a:avLst/>
+          </a:prstGeom>
+          <a:noFill/>
+        </p:spPr>
+        <p:txBody>
+          <a:bodyPr wrap="square" rtlCol="0">
+            <a:spAutoFit/>
+          </a:bodyPr>
+          <a:lstStyle/>
+          <a:p>
+            <a:pPr algn="ctr"/>
+            <a:r>
+              <a:rPr lang="pl-PL" sz="2800" b="1" dirty="0">
+                <a:solidFill>
+                  <a:schemeClr val="bg1"/>
+                </a:solidFill>
+              </a:rPr>
+              <a:t>HTTP</a:t>
+            </a:r>
+          </a:p>
+        </p:txBody>
+      </p:sp>
+      <p:sp>
+        <p:nvSpPr>
+          <p:cNvPr id="22" name="pole tekstowe 21">
+            <a:extLst>
+              <a:ext uri="{FF2B5EF4-FFF2-40B4-BE49-F238E27FC236}">
+                <a16:creationId xmlns:a16="http://schemas.microsoft.com/office/drawing/2014/main" id="{2E8420A8-0653-4085-8F30-5002E4FD3632}"/>
+              </a:ext>
+            </a:extLst>
+          </p:cNvPr>
+          <p:cNvSpPr txBox="1"/>
+          <p:nvPr/>
+        </p:nvSpPr>
+        <p:spPr>
+          <a:xfrm>
+            <a:off x="7106817" y="3228240"/>
+            <a:ext cx="2247334" cy="523220"/>
+          </a:xfrm>
+          <a:prstGeom prst="rect">
+            <a:avLst/>
+          </a:prstGeom>
+          <a:noFill/>
+        </p:spPr>
+        <p:txBody>
+          <a:bodyPr wrap="square" rtlCol="0">
+            <a:spAutoFit/>
+          </a:bodyPr>
+          <a:lstStyle/>
+          <a:p>
+            <a:pPr algn="ctr"/>
+            <a:r>
+              <a:rPr lang="pl-PL" sz="2800" b="1" dirty="0" err="1">
+                <a:solidFill>
+                  <a:schemeClr val="bg1"/>
+                </a:solidFill>
+              </a:rPr>
+              <a:t>Submit</a:t>
+            </a:r>
+            <a:endParaRPr lang="pl-PL" sz="2800" b="1" dirty="0">
+              <a:solidFill>
+                <a:schemeClr val="bg1"/>
+              </a:solidFill>
+            </a:endParaRPr>
+          </a:p>
+        </p:txBody>
+      </p:sp>
+      <p:sp>
+        <p:nvSpPr>
+          <p:cNvPr id="25" name="pole tekstowe 24">
+            <a:extLst>
+              <a:ext uri="{FF2B5EF4-FFF2-40B4-BE49-F238E27FC236}">
+                <a16:creationId xmlns:a16="http://schemas.microsoft.com/office/drawing/2014/main" id="{A2A66618-B683-457A-87A1-FD040C889F90}"/>
+              </a:ext>
+            </a:extLst>
+          </p:cNvPr>
+          <p:cNvSpPr txBox="1"/>
+          <p:nvPr/>
+        </p:nvSpPr>
+        <p:spPr>
+          <a:xfrm>
+            <a:off x="2539948" y="3373055"/>
+            <a:ext cx="2247334" cy="1384995"/>
+          </a:xfrm>
+          <a:prstGeom prst="rect">
+            <a:avLst/>
+          </a:prstGeom>
+          <a:noFill/>
+        </p:spPr>
+        <p:txBody>
+          <a:bodyPr wrap="square" rtlCol="0">
+            <a:spAutoFit/>
+          </a:bodyPr>
+          <a:lstStyle/>
+          <a:p>
+            <a:pPr algn="ctr"/>
+            <a:r>
+              <a:rPr lang="pl-PL" sz="2800" b="1" dirty="0" err="1">
+                <a:solidFill>
+                  <a:schemeClr val="bg1"/>
+                </a:solidFill>
+              </a:rPr>
+              <a:t>Create</a:t>
+            </a:r>
+            <a:endParaRPr lang="pl-PL" sz="2800" b="1" dirty="0">
+              <a:solidFill>
+                <a:schemeClr val="bg1"/>
+              </a:solidFill>
+            </a:endParaRPr>
+          </a:p>
+          <a:p>
+            <a:pPr algn="ctr"/>
+            <a:r>
+              <a:rPr lang="pl-PL" sz="2800" b="1" dirty="0" err="1">
+                <a:solidFill>
+                  <a:schemeClr val="bg1"/>
+                </a:solidFill>
+              </a:rPr>
+              <a:t>AddItem</a:t>
+            </a:r>
+            <a:endParaRPr lang="pl-PL" sz="2800" b="1" dirty="0">
+              <a:solidFill>
+                <a:schemeClr val="bg1"/>
+              </a:solidFill>
+            </a:endParaRPr>
+          </a:p>
+          <a:p>
+            <a:pPr algn="ctr"/>
+            <a:r>
+              <a:rPr lang="pl-PL" sz="2800" b="1" dirty="0" err="1">
+                <a:solidFill>
+                  <a:schemeClr val="bg1"/>
+                </a:solidFill>
+              </a:rPr>
+              <a:t>Submit</a:t>
+            </a:r>
+            <a:endParaRPr lang="pl-PL" sz="2800" b="1" dirty="0">
+              <a:solidFill>
+                <a:schemeClr val="bg1"/>
+              </a:solidFill>
+            </a:endParaRPr>
+          </a:p>
+        </p:txBody>
+      </p:sp>
+    </p:spTree>
+    <p:extLst>
+      <p:ext uri="{BB962C8B-B14F-4D97-AF65-F5344CB8AC3E}">
+        <p14:creationId xmlns:p14="http://schemas.microsoft.com/office/powerpoint/2010/main" val="687054048"/>
+      </p:ext>
+    </p:extLst>
+  </p:cSld>
+  <p:clrMapOvr>
+    <a:masterClrMapping/>
+  </p:clrMapOvr>
+</p:sld>
+</file>
+
 <file path=ppt/slides/slide2.xml><?xml version="1.0" encoding="utf-8"?>
 <p:sld xmlns:a="http://schemas.openxmlformats.org/drawingml/2006/main" xmlns:r="http://schemas.openxmlformats.org/officeDocument/2006/relationships" xmlns:p="http://schemas.openxmlformats.org/presentationml/2006/main">
   <p:cSld>
@@ -4461,7 +7237,7 @@
         </p:blipFill>
         <p:spPr>
           <a:xfrm>
-            <a:off x="3693743" y="5280525"/>
+            <a:off x="3693743" y="5283200"/>
             <a:ext cx="1574800" cy="1574800"/>
           </a:xfrm>
           <a:prstGeom prst="rect">
